--- a/docs/presentations/Sage300TechnicalSessionHandsOn.pptx
+++ b/docs/presentations/Sage300TechnicalSessionHandsOn.pptx
@@ -281,7 +281,7 @@
           <a:p>
             <a:fld id="{EC0ECC91-7099-9546-9775-79C77D0DA930}" type="datetimeFigureOut">
               <a:rPr lang="en-US" smtClean="0"/>
-              <a:t>8/1/2022</a:t>
+              <a:t>8/29/2022</a:t>
             </a:fld>
             <a:endParaRPr lang="en-US"/>
           </a:p>
@@ -7158,7 +7158,7 @@
               <a:rPr lang="en-GB" sz="1800" i="0" dirty="0">
                 <a:cs typeface="Arial"/>
               </a:rPr>
-              <a:t>from c:\Sage300WebSDK\samples\receipt folder by dropping receipt.sln onto desktop Visual Studio 2019 shortcut (loads as Administrator)</a:t>
+              <a:t>from c:\{Sage300WebSDK}\samples\receipt folder by dropping receipt.sln onto desktop Visual Studio 2019 shortcut (loads as Administrator)</a:t>
             </a:r>
           </a:p>
           <a:p>
@@ -19141,7 +19141,7 @@
               <a:rPr lang="en-GB" sz="1800" i="0" dirty="0">
                 <a:cs typeface="Arial"/>
               </a:rPr>
-              <a:t>in both c:\Sage300\Online\Web and c:\Sage300\Online\WebApi folders</a:t>
+              <a:t>in both c:\{Sage300}\Online\Web and c:\{Sage300}\Online\WebApi folders</a:t>
             </a:r>
           </a:p>
           <a:p>

--- a/docs/presentations/Sage300TechnicalSessionHandsOn.pptx
+++ b/docs/presentations/Sage300TechnicalSessionHandsOn.pptx
@@ -281,7 +281,7 @@
           <a:p>
             <a:fld id="{EC0ECC91-7099-9546-9775-79C77D0DA930}" type="datetimeFigureOut">
               <a:rPr lang="en-US" smtClean="0"/>
-              <a:t>8/29/2022</a:t>
+              <a:t>1/4/2023</a:t>
             </a:fld>
             <a:endParaRPr lang="en-US"/>
           </a:p>
@@ -5350,7 +5350,7 @@
                 <a:cs typeface="Sage Text" panose="02010503040201060103" pitchFamily="50" charset="0"/>
                 <a:sym typeface="Sage Text" panose="02010503040201060103" pitchFamily="50" charset="0"/>
               </a:rPr>
-              <a:t>© 2022 The Sage Group plc, or its licensors. All rights reserved.</a:t>
+              <a:t>© 2023 The Sage Group plc, or its licensors. All rights reserved.</a:t>
             </a:r>
           </a:p>
         </p:txBody>
@@ -5594,7 +5594,7 @@
                 <a:cs typeface="Sage Text" panose="02010503040201060103" pitchFamily="50" charset="0"/>
                 <a:sym typeface="Sage Text" panose="02010503040201060103" pitchFamily="50" charset="0"/>
               </a:rPr>
-              <a:t>© 2022 The Sage Group plc, or its licensors. All rights reserved.</a:t>
+              <a:t>© 2023 The Sage Group plc, or its licensors. All rights reserved.</a:t>
             </a:r>
           </a:p>
         </p:txBody>
@@ -6097,7 +6097,7 @@
                 </a:solidFill>
                 <a:latin typeface="Sage Text" panose="02010503040201060103" pitchFamily="2" charset="77"/>
               </a:rPr>
-              <a:t>© 2022 The Sage Group plc or its licensors. All rights reserved. Sage, Sage logos, and Sage product and service names mentioned herein are the trademarks of Sage Global Services Limited or its licensors. All other trademarks are the property of their respective owners.</a:t>
+              <a:t>© 2023 The Sage Group plc or its licensors. All rights reserved. Sage, Sage logos, and Sage product and service names mentioned herein are the trademarks of Sage Global Services Limited or its licensors. All other trademarks are the property of their respective owners.</a:t>
             </a:r>
           </a:p>
         </p:txBody>
@@ -6443,7 +6443,7 @@
                 <a:cs typeface="Sage Text" panose="02010503040201060103" pitchFamily="50" charset="0"/>
                 <a:sym typeface="Sage Text" panose="02010503040201060103" pitchFamily="50" charset="0"/>
               </a:rPr>
-              <a:t>© 2022 The Sage Group plc, or its licensors. All rights reserved.</a:t>
+              <a:t>© 2023 The Sage Group plc, or its licensors. All rights reserved.</a:t>
             </a:r>
           </a:p>
         </p:txBody>
@@ -6913,7 +6913,7 @@
           <a:p>
             <a:r>
               <a:rPr lang="en-US" dirty="0"/>
-              <a:t>August 2022</a:t>
+              <a:t>January 2023</a:t>
             </a:r>
           </a:p>
         </p:txBody>

--- a/docs/presentations/Sage300TechnicalSessionHandsOn.pptx
+++ b/docs/presentations/Sage300TechnicalSessionHandsOn.pptx
@@ -5,7 +5,7 @@
     <p:sldMasterId id="2147483648" r:id="rId1"/>
   </p:sldMasterIdLst>
   <p:notesMasterIdLst>
-    <p:notesMasterId r:id="rId36"/>
+    <p:notesMasterId r:id="rId38"/>
   </p:notesMasterIdLst>
   <p:sldIdLst>
     <p:sldId id="256" r:id="rId2"/>
@@ -32,16 +32,18 @@
     <p:sldId id="641" r:id="rId23"/>
     <p:sldId id="642" r:id="rId24"/>
     <p:sldId id="643" r:id="rId25"/>
-    <p:sldId id="544" r:id="rId26"/>
-    <p:sldId id="645" r:id="rId27"/>
-    <p:sldId id="646" r:id="rId28"/>
-    <p:sldId id="647" r:id="rId29"/>
-    <p:sldId id="648" r:id="rId30"/>
-    <p:sldId id="649" r:id="rId31"/>
-    <p:sldId id="650" r:id="rId32"/>
-    <p:sldId id="651" r:id="rId33"/>
-    <p:sldId id="652" r:id="rId34"/>
-    <p:sldId id="555" r:id="rId35"/>
+    <p:sldId id="653" r:id="rId26"/>
+    <p:sldId id="654" r:id="rId27"/>
+    <p:sldId id="544" r:id="rId28"/>
+    <p:sldId id="645" r:id="rId29"/>
+    <p:sldId id="646" r:id="rId30"/>
+    <p:sldId id="647" r:id="rId31"/>
+    <p:sldId id="648" r:id="rId32"/>
+    <p:sldId id="649" r:id="rId33"/>
+    <p:sldId id="650" r:id="rId34"/>
+    <p:sldId id="651" r:id="rId35"/>
+    <p:sldId id="652" r:id="rId36"/>
+    <p:sldId id="555" r:id="rId37"/>
   </p:sldIdLst>
   <p:sldSz cx="12192000" cy="6858000"/>
   <p:notesSz cx="6858000" cy="9144000"/>
@@ -261,7 +263,7 @@
           <a:p>
             <a:fld id="{EC0ECC91-7099-9546-9775-79C77D0DA930}" type="datetimeFigureOut">
               <a:rPr lang="en-US" smtClean="0"/>
-              <a:t>3/29/2023</a:t>
+              <a:t>4/12/2023</a:t>
             </a:fld>
             <a:endParaRPr lang="en-US"/>
           </a:p>
@@ -1939,6 +1941,12 @@
           <a:p>
             <a:endParaRPr lang="en-US" dirty="0"/>
           </a:p>
+          <a:p>
+            <a:endParaRPr lang="en-US" dirty="0"/>
+          </a:p>
+          <a:p>
+            <a:endParaRPr lang="en-US" dirty="0"/>
+          </a:p>
         </p:txBody>
       </p:sp>
       <p:sp>
@@ -1967,7 +1975,7 @@
     </p:spTree>
     <p:extLst>
       <p:ext uri="{BB962C8B-B14F-4D97-AF65-F5344CB8AC3E}">
-        <p14:creationId xmlns:p14="http://schemas.microsoft.com/office/powerpoint/2010/main" val="2948658147"/>
+        <p14:creationId xmlns:p14="http://schemas.microsoft.com/office/powerpoint/2010/main" val="180136753"/>
       </p:ext>
     </p:extLst>
   </p:cSld>
@@ -2057,7 +2065,7 @@
     </p:spTree>
     <p:extLst>
       <p:ext uri="{BB962C8B-B14F-4D97-AF65-F5344CB8AC3E}">
-        <p14:creationId xmlns:p14="http://schemas.microsoft.com/office/powerpoint/2010/main" val="2870561443"/>
+        <p14:creationId xmlns:p14="http://schemas.microsoft.com/office/powerpoint/2010/main" val="1820493396"/>
       </p:ext>
     </p:extLst>
   </p:cSld>
@@ -2113,12 +2121,6 @@
           <a:p>
             <a:endParaRPr lang="en-US" dirty="0"/>
           </a:p>
-          <a:p>
-            <a:endParaRPr lang="en-US" dirty="0"/>
-          </a:p>
-          <a:p>
-            <a:endParaRPr lang="en-US" dirty="0"/>
-          </a:p>
         </p:txBody>
       </p:sp>
       <p:sp>
@@ -2147,7 +2149,7 @@
     </p:spTree>
     <p:extLst>
       <p:ext uri="{BB962C8B-B14F-4D97-AF65-F5344CB8AC3E}">
-        <p14:creationId xmlns:p14="http://schemas.microsoft.com/office/powerpoint/2010/main" val="2371019153"/>
+        <p14:creationId xmlns:p14="http://schemas.microsoft.com/office/powerpoint/2010/main" val="2948658147"/>
       </p:ext>
     </p:extLst>
   </p:cSld>
@@ -2237,7 +2239,7 @@
     </p:spTree>
     <p:extLst>
       <p:ext uri="{BB962C8B-B14F-4D97-AF65-F5344CB8AC3E}">
-        <p14:creationId xmlns:p14="http://schemas.microsoft.com/office/powerpoint/2010/main" val="920384776"/>
+        <p14:creationId xmlns:p14="http://schemas.microsoft.com/office/powerpoint/2010/main" val="2870561443"/>
       </p:ext>
     </p:extLst>
   </p:cSld>
@@ -2327,7 +2329,7 @@
     </p:spTree>
     <p:extLst>
       <p:ext uri="{BB962C8B-B14F-4D97-AF65-F5344CB8AC3E}">
-        <p14:creationId xmlns:p14="http://schemas.microsoft.com/office/powerpoint/2010/main" val="2139110439"/>
+        <p14:creationId xmlns:p14="http://schemas.microsoft.com/office/powerpoint/2010/main" val="2371019153"/>
       </p:ext>
     </p:extLst>
   </p:cSld>
@@ -2417,7 +2419,7 @@
     </p:spTree>
     <p:extLst>
       <p:ext uri="{BB962C8B-B14F-4D97-AF65-F5344CB8AC3E}">
-        <p14:creationId xmlns:p14="http://schemas.microsoft.com/office/powerpoint/2010/main" val="3535164496"/>
+        <p14:creationId xmlns:p14="http://schemas.microsoft.com/office/powerpoint/2010/main" val="920384776"/>
       </p:ext>
     </p:extLst>
   </p:cSld>
@@ -2507,7 +2509,7 @@
     </p:spTree>
     <p:extLst>
       <p:ext uri="{BB962C8B-B14F-4D97-AF65-F5344CB8AC3E}">
-        <p14:creationId xmlns:p14="http://schemas.microsoft.com/office/powerpoint/2010/main" val="3749850742"/>
+        <p14:creationId xmlns:p14="http://schemas.microsoft.com/office/powerpoint/2010/main" val="2139110439"/>
       </p:ext>
     </p:extLst>
   </p:cSld>
@@ -2681,7 +2683,7 @@
     </p:spTree>
     <p:extLst>
       <p:ext uri="{BB962C8B-B14F-4D97-AF65-F5344CB8AC3E}">
-        <p14:creationId xmlns:p14="http://schemas.microsoft.com/office/powerpoint/2010/main" val="1614165756"/>
+        <p14:creationId xmlns:p14="http://schemas.microsoft.com/office/powerpoint/2010/main" val="3535164496"/>
       </p:ext>
     </p:extLst>
   </p:cSld>
@@ -2771,7 +2773,7 @@
     </p:spTree>
     <p:extLst>
       <p:ext uri="{BB962C8B-B14F-4D97-AF65-F5344CB8AC3E}">
-        <p14:creationId xmlns:p14="http://schemas.microsoft.com/office/powerpoint/2010/main" val="4004749704"/>
+        <p14:creationId xmlns:p14="http://schemas.microsoft.com/office/powerpoint/2010/main" val="3749850742"/>
       </p:ext>
     </p:extLst>
   </p:cSld>
@@ -2827,6 +2829,12 @@
           <a:p>
             <a:endParaRPr lang="en-US" dirty="0"/>
           </a:p>
+          <a:p>
+            <a:endParaRPr lang="en-US" dirty="0"/>
+          </a:p>
+          <a:p>
+            <a:endParaRPr lang="en-US" dirty="0"/>
+          </a:p>
         </p:txBody>
       </p:sp>
       <p:sp>
@@ -2847,6 +2855,180 @@
             <a:fld id="{E1B92A93-8262-254D-8F5A-CE19795D22F6}" type="slidenum">
               <a:rPr lang="en-US" smtClean="0"/>
               <a:t>34</a:t>
+            </a:fld>
+            <a:endParaRPr lang="en-US"/>
+          </a:p>
+        </p:txBody>
+      </p:sp>
+    </p:spTree>
+    <p:extLst>
+      <p:ext uri="{BB962C8B-B14F-4D97-AF65-F5344CB8AC3E}">
+        <p14:creationId xmlns:p14="http://schemas.microsoft.com/office/powerpoint/2010/main" val="1614165756"/>
+      </p:ext>
+    </p:extLst>
+  </p:cSld>
+  <p:clrMapOvr>
+    <a:masterClrMapping/>
+  </p:clrMapOvr>
+</p:notes>
+</file>
+
+<file path=ppt/notesSlides/notesSlide33.xml><?xml version="1.0" encoding="utf-8"?>
+<p:notes xmlns:a="http://schemas.openxmlformats.org/drawingml/2006/main" xmlns:r="http://schemas.openxmlformats.org/officeDocument/2006/relationships" xmlns:p="http://schemas.openxmlformats.org/presentationml/2006/main">
+  <p:cSld>
+    <p:spTree>
+      <p:nvGrpSpPr>
+        <p:cNvPr id="1" name=""/>
+        <p:cNvGrpSpPr/>
+        <p:nvPr/>
+      </p:nvGrpSpPr>
+      <p:grpSpPr>
+        <a:xfrm>
+          <a:off x="0" y="0"/>
+          <a:ext cx="0" cy="0"/>
+          <a:chOff x="0" y="0"/>
+          <a:chExt cx="0" cy="0"/>
+        </a:xfrm>
+      </p:grpSpPr>
+      <p:sp>
+        <p:nvSpPr>
+          <p:cNvPr id="2" name="Slide Image Placeholder 1"/>
+          <p:cNvSpPr>
+            <a:spLocks noGrp="1" noRot="1" noChangeAspect="1"/>
+          </p:cNvSpPr>
+          <p:nvPr>
+            <p:ph type="sldImg"/>
+          </p:nvPr>
+        </p:nvSpPr>
+        <p:spPr/>
+      </p:sp>
+      <p:sp>
+        <p:nvSpPr>
+          <p:cNvPr id="3" name="Notes Placeholder 2"/>
+          <p:cNvSpPr>
+            <a:spLocks noGrp="1"/>
+          </p:cNvSpPr>
+          <p:nvPr>
+            <p:ph type="body" idx="1"/>
+          </p:nvPr>
+        </p:nvSpPr>
+        <p:spPr/>
+        <p:txBody>
+          <a:bodyPr/>
+          <a:lstStyle/>
+          <a:p>
+            <a:endParaRPr lang="en-US" dirty="0"/>
+          </a:p>
+          <a:p>
+            <a:endParaRPr lang="en-US" dirty="0"/>
+          </a:p>
+          <a:p>
+            <a:endParaRPr lang="en-US" dirty="0"/>
+          </a:p>
+        </p:txBody>
+      </p:sp>
+      <p:sp>
+        <p:nvSpPr>
+          <p:cNvPr id="4" name="Slide Number Placeholder 3"/>
+          <p:cNvSpPr>
+            <a:spLocks noGrp="1"/>
+          </p:cNvSpPr>
+          <p:nvPr>
+            <p:ph type="sldNum" sz="quarter" idx="5"/>
+          </p:nvPr>
+        </p:nvSpPr>
+        <p:spPr/>
+        <p:txBody>
+          <a:bodyPr/>
+          <a:lstStyle/>
+          <a:p>
+            <a:fld id="{E1B92A93-8262-254D-8F5A-CE19795D22F6}" type="slidenum">
+              <a:rPr lang="en-US" smtClean="0"/>
+              <a:t>35</a:t>
+            </a:fld>
+            <a:endParaRPr lang="en-US"/>
+          </a:p>
+        </p:txBody>
+      </p:sp>
+    </p:spTree>
+    <p:extLst>
+      <p:ext uri="{BB962C8B-B14F-4D97-AF65-F5344CB8AC3E}">
+        <p14:creationId xmlns:p14="http://schemas.microsoft.com/office/powerpoint/2010/main" val="4004749704"/>
+      </p:ext>
+    </p:extLst>
+  </p:cSld>
+  <p:clrMapOvr>
+    <a:masterClrMapping/>
+  </p:clrMapOvr>
+</p:notes>
+</file>
+
+<file path=ppt/notesSlides/notesSlide34.xml><?xml version="1.0" encoding="utf-8"?>
+<p:notes xmlns:a="http://schemas.openxmlformats.org/drawingml/2006/main" xmlns:r="http://schemas.openxmlformats.org/officeDocument/2006/relationships" xmlns:p="http://schemas.openxmlformats.org/presentationml/2006/main">
+  <p:cSld>
+    <p:spTree>
+      <p:nvGrpSpPr>
+        <p:cNvPr id="1" name=""/>
+        <p:cNvGrpSpPr/>
+        <p:nvPr/>
+      </p:nvGrpSpPr>
+      <p:grpSpPr>
+        <a:xfrm>
+          <a:off x="0" y="0"/>
+          <a:ext cx="0" cy="0"/>
+          <a:chOff x="0" y="0"/>
+          <a:chExt cx="0" cy="0"/>
+        </a:xfrm>
+      </p:grpSpPr>
+      <p:sp>
+        <p:nvSpPr>
+          <p:cNvPr id="2" name="Slide Image Placeholder 1"/>
+          <p:cNvSpPr>
+            <a:spLocks noGrp="1" noRot="1" noChangeAspect="1"/>
+          </p:cNvSpPr>
+          <p:nvPr>
+            <p:ph type="sldImg"/>
+          </p:nvPr>
+        </p:nvSpPr>
+        <p:spPr/>
+      </p:sp>
+      <p:sp>
+        <p:nvSpPr>
+          <p:cNvPr id="3" name="Notes Placeholder 2"/>
+          <p:cNvSpPr>
+            <a:spLocks noGrp="1"/>
+          </p:cNvSpPr>
+          <p:nvPr>
+            <p:ph type="body" idx="1"/>
+          </p:nvPr>
+        </p:nvSpPr>
+        <p:spPr/>
+        <p:txBody>
+          <a:bodyPr/>
+          <a:lstStyle/>
+          <a:p>
+            <a:endParaRPr lang="en-US" dirty="0"/>
+          </a:p>
+        </p:txBody>
+      </p:sp>
+      <p:sp>
+        <p:nvSpPr>
+          <p:cNvPr id="4" name="Slide Number Placeholder 3"/>
+          <p:cNvSpPr>
+            <a:spLocks noGrp="1"/>
+          </p:cNvSpPr>
+          <p:nvPr>
+            <p:ph type="sldNum" sz="quarter" idx="5"/>
+          </p:nvPr>
+        </p:nvSpPr>
+        <p:spPr/>
+        <p:txBody>
+          <a:bodyPr/>
+          <a:lstStyle/>
+          <a:p>
+            <a:fld id="{E1B92A93-8262-254D-8F5A-CE19795D22F6}" type="slidenum">
+              <a:rPr lang="en-US" smtClean="0"/>
+              <a:t>36</a:t>
             </a:fld>
             <a:endParaRPr lang="en-US"/>
           </a:p>
@@ -7615,8 +7797,12 @@
           </a:p>
           <a:p>
             <a:r>
+              <a:rPr lang="en-US"/>
+              <a:t>April </a:t>
+            </a:r>
+            <a:r>
               <a:rPr lang="en-US" dirty="0"/>
-              <a:t>March 2023</a:t>
+              <a:t>2023</a:t>
             </a:r>
           </a:p>
         </p:txBody>
@@ -14288,7 +14474,7 @@
         <p:spPr>
           <a:xfrm>
             <a:off x="411479" y="1602939"/>
-            <a:ext cx="11641976" cy="4632037"/>
+            <a:ext cx="11641976" cy="3908762"/>
           </a:xfrm>
           <a:prstGeom prst="rect">
             <a:avLst/>
@@ -14768,19 +14954,6 @@
                 <a:cs typeface="Arial"/>
               </a:rPr>
               <a:t> arrow to debug</a:t>
-            </a:r>
-          </a:p>
-          <a:p>
-            <a:endParaRPr lang="en-GB" sz="1800" i="0" dirty="0">
-              <a:cs typeface="Arial"/>
-            </a:endParaRPr>
-          </a:p>
-          <a:p>
-            <a:r>
-              <a:rPr lang="en-GB" sz="2000" i="0" dirty="0">
-                <a:cs typeface="Arial"/>
-              </a:rPr>
-              <a:t>You are now a complex screen expert!</a:t>
             </a:r>
           </a:p>
         </p:txBody>
@@ -15006,253 +15179,706 @@
       </p:grpSpPr>
       <p:sp>
         <p:nvSpPr>
-          <p:cNvPr id="8" name="Title 1">
+          <p:cNvPr id="2" name="Title 1">
             <a:extLst>
               <a:ext uri="{FF2B5EF4-FFF2-40B4-BE49-F238E27FC236}">
-                <a16:creationId xmlns:a16="http://schemas.microsoft.com/office/drawing/2014/main" id="{9E38FECC-D4FB-D296-53F0-888C8F598A3F}"/>
+                <a16:creationId xmlns:a16="http://schemas.microsoft.com/office/drawing/2014/main" id="{BA6C69B8-5719-314E-939A-ECE8F8D96F02}"/>
               </a:ext>
             </a:extLst>
           </p:cNvPr>
-          <p:cNvSpPr txBox="1">
-            <a:spLocks/>
-          </p:cNvSpPr>
+          <p:cNvSpPr>
+            <a:spLocks noGrp="1"/>
+          </p:cNvSpPr>
+          <p:nvPr>
+            <p:ph type="title"/>
+          </p:nvPr>
+        </p:nvSpPr>
+        <p:spPr/>
+        <p:txBody>
+          <a:bodyPr/>
+          <a:lstStyle/>
+          <a:p>
+            <a:r>
+              <a:rPr lang="en-US" dirty="0"/>
+              <a:t>Generate Screen</a:t>
+            </a:r>
+          </a:p>
+        </p:txBody>
+      </p:sp>
+      <p:sp>
+        <p:nvSpPr>
+          <p:cNvPr id="3" name="Text Placeholder 2">
+            <a:extLst>
+              <a:ext uri="{FF2B5EF4-FFF2-40B4-BE49-F238E27FC236}">
+                <a16:creationId xmlns:a16="http://schemas.microsoft.com/office/drawing/2014/main" id="{60729BCA-336A-514A-B43D-91598CEC28BB}"/>
+              </a:ext>
+            </a:extLst>
+          </p:cNvPr>
+          <p:cNvSpPr>
+            <a:spLocks noGrp="1"/>
+          </p:cNvSpPr>
+          <p:nvPr>
+            <p:ph type="body" sz="quarter" idx="12"/>
+          </p:nvPr>
+        </p:nvSpPr>
+        <p:spPr/>
+        <p:txBody>
+          <a:bodyPr/>
+          <a:lstStyle/>
+          <a:p>
+            <a:r>
+              <a:rPr lang="en-US" dirty="0"/>
+              <a:t>Complex</a:t>
+            </a:r>
+          </a:p>
+        </p:txBody>
+      </p:sp>
+      <p:sp>
+        <p:nvSpPr>
+          <p:cNvPr id="4" name="Slide Number Placeholder 3">
+            <a:extLst>
+              <a:ext uri="{FF2B5EF4-FFF2-40B4-BE49-F238E27FC236}">
+                <a16:creationId xmlns:a16="http://schemas.microsoft.com/office/drawing/2014/main" id="{7DB49043-0D36-3944-8C61-89B95273C808}"/>
+              </a:ext>
+            </a:extLst>
+          </p:cNvPr>
+          <p:cNvSpPr>
+            <a:spLocks noGrp="1"/>
+          </p:cNvSpPr>
+          <p:nvPr>
+            <p:ph type="sldNum" sz="quarter" idx="10"/>
+          </p:nvPr>
+        </p:nvSpPr>
+        <p:spPr/>
+        <p:txBody>
+          <a:bodyPr/>
+          <a:lstStyle/>
+          <a:p>
+            <a:r>
+              <a:rPr lang="en-US"/>
+              <a:t>Page </a:t>
+            </a:r>
+            <a:fld id="{888928BD-9DD5-4B49-B597-3FD2BD4272DD}" type="slidenum">
+              <a:rPr smtClean="0"/>
+              <a:pPr/>
+              <a:t>25</a:t>
+            </a:fld>
+            <a:endParaRPr dirty="0"/>
+          </a:p>
+        </p:txBody>
+      </p:sp>
+      <p:sp>
+        <p:nvSpPr>
+          <p:cNvPr id="9" name="TextBox 8">
+            <a:extLst>
+              <a:ext uri="{FF2B5EF4-FFF2-40B4-BE49-F238E27FC236}">
+                <a16:creationId xmlns:a16="http://schemas.microsoft.com/office/drawing/2014/main" id="{6377D1D6-166C-0B2B-FD12-394853B19CD9}"/>
+              </a:ext>
+            </a:extLst>
+          </p:cNvPr>
+          <p:cNvSpPr txBox="1"/>
           <p:nvPr/>
         </p:nvSpPr>
         <p:spPr>
           <a:xfrm>
-            <a:off x="411480" y="356401"/>
-            <a:ext cx="9126220" cy="594360"/>
+            <a:off x="3773781" y="2007082"/>
+            <a:ext cx="2133044" cy="400110"/>
           </a:xfrm>
           <a:prstGeom prst="rect">
             <a:avLst/>
           </a:prstGeom>
+          <a:noFill/>
         </p:spPr>
         <p:txBody>
-          <a:bodyPr vert="horz" lIns="0" tIns="0" rIns="0" bIns="0" rtlCol="0" anchor="t" anchorCtr="0">
-            <a:noAutofit/>
+          <a:bodyPr wrap="square" rtlCol="0">
+            <a:spAutoFit/>
           </a:bodyPr>
-          <a:lstStyle>
-            <a:lvl1pPr algn="l" defTabSz="914400" rtl="0" eaLnBrk="1" latinLnBrk="0" hangingPunct="1">
-              <a:lnSpc>
-                <a:spcPct val="90000"/>
-              </a:lnSpc>
-              <a:spcBef>
-                <a:spcPct val="0"/>
-              </a:spcBef>
-              <a:buNone/>
-              <a:defRPr sz="4400" b="0" i="0" kern="1200">
+          <a:lstStyle/>
+          <a:p>
+            <a:r>
+              <a:rPr lang="en-US" sz="2000" dirty="0">
                 <a:solidFill>
                   <a:schemeClr val="bg1"/>
                 </a:solidFill>
-                <a:latin typeface="Sage Headline Black" panose="02010A03040201060103" pitchFamily="2" charset="77"/>
-                <a:ea typeface="+mj-ea"/>
-                <a:cs typeface="+mj-cs"/>
-              </a:defRPr>
-            </a:lvl1pPr>
-          </a:lstStyle>
-          <a:p>
-            <a:r>
-              <a:rPr lang="en-US" dirty="0"/>
-              <a:t>Customization</a:t>
-            </a:r>
-          </a:p>
-        </p:txBody>
-      </p:sp>
-      <p:sp>
-        <p:nvSpPr>
-          <p:cNvPr id="9" name="Subtitle 2">
+              </a:rPr>
+              <a:t>Web Screens</a:t>
+            </a:r>
+          </a:p>
+        </p:txBody>
+      </p:sp>
+      <p:sp>
+        <p:nvSpPr>
+          <p:cNvPr id="12" name="TextBox 11">
             <a:extLst>
               <a:ext uri="{FF2B5EF4-FFF2-40B4-BE49-F238E27FC236}">
-                <a16:creationId xmlns:a16="http://schemas.microsoft.com/office/drawing/2014/main" id="{90763248-3EF6-41E0-1D18-2063AACAAFE7}"/>
+                <a16:creationId xmlns:a16="http://schemas.microsoft.com/office/drawing/2014/main" id="{31BC2E61-16D4-5FD4-4A65-89F6A236DF36}"/>
               </a:ext>
             </a:extLst>
           </p:cNvPr>
-          <p:cNvSpPr txBox="1">
-            <a:spLocks/>
-          </p:cNvSpPr>
+          <p:cNvSpPr txBox="1"/>
           <p:nvPr/>
         </p:nvSpPr>
         <p:spPr>
           <a:xfrm>
-            <a:off x="420623" y="1024338"/>
-            <a:ext cx="3820450" cy="1243584"/>
+            <a:off x="411479" y="1602939"/>
+            <a:ext cx="11641976" cy="4708981"/>
           </a:xfrm>
           <a:prstGeom prst="rect">
             <a:avLst/>
           </a:prstGeom>
+          <a:noFill/>
         </p:spPr>
         <p:txBody>
-          <a:bodyPr vert="horz" lIns="0" tIns="45720" rIns="0" bIns="0" rtlCol="0">
-            <a:noAutofit/>
+          <a:bodyPr wrap="square" rtlCol="0">
+            <a:spAutoFit/>
           </a:bodyPr>
-          <a:lstStyle>
-            <a:lvl1pPr marL="0" indent="0" algn="l" defTabSz="914400" rtl="0" eaLnBrk="1" latinLnBrk="0" hangingPunct="1">
-              <a:lnSpc>
-                <a:spcPct val="100000"/>
-              </a:lnSpc>
-              <a:spcBef>
-                <a:spcPts val="1000"/>
-              </a:spcBef>
-              <a:buFont typeface="Sage Text" panose="02010503040201060103" pitchFamily="50" charset="0"/>
-              <a:buNone/>
-              <a:defRPr lang="en-US" sz="1600" b="1" i="0" kern="1200">
+          <a:lstStyle/>
+          <a:p>
+            <a:pPr marL="188913" indent="-285750">
+              <a:buFont typeface="Arial" panose="020B0604020202020204" pitchFamily="34" charset="0"/>
+              <a:buChar char="•"/>
+            </a:pPr>
+            <a:r>
+              <a:rPr lang="en-GB" i="0" dirty="0">
+                <a:cs typeface="Arial"/>
+              </a:rPr>
+              <a:t>Let’s now change the description of a column in the grid (ColumnName, no ColumnName, Custom Function)</a:t>
+            </a:r>
+          </a:p>
+          <a:p>
+            <a:pPr marL="542925" lvl="1" indent="-285750">
+              <a:buFont typeface="Arial" panose="020B0604020202020204" pitchFamily="34" charset="0"/>
+              <a:buChar char="•"/>
+            </a:pPr>
+            <a:r>
+              <a:rPr lang="en-GB" sz="1600" i="0" dirty="0">
+                <a:cs typeface="Arial"/>
+              </a:rPr>
+              <a:t>In the web project, select the Areas/TU/Views/DistSets/Partials/</a:t>
+            </a:r>
+            <a:r>
+              <a:rPr lang="en-GB" sz="1600" b="1" i="0" dirty="0">
+                <a:cs typeface="Arial"/>
+              </a:rPr>
+              <a:t>DistributionSetDetailGrid.json </a:t>
+            </a:r>
+            <a:r>
+              <a:rPr lang="en-GB" sz="1600" i="0" dirty="0">
+                <a:cs typeface="Arial"/>
+              </a:rPr>
+              <a:t>file</a:t>
+            </a:r>
+          </a:p>
+          <a:p>
+            <a:pPr marL="542925" lvl="1" indent="-285750">
+              <a:buFont typeface="Arial" panose="020B0604020202020204" pitchFamily="34" charset="0"/>
+              <a:buChar char="•"/>
+            </a:pPr>
+            <a:r>
+              <a:rPr lang="en-GB" sz="1600" i="0" dirty="0">
+                <a:cs typeface="Arial"/>
+              </a:rPr>
+              <a:t>Scroll to the “</a:t>
+            </a:r>
+            <a:r>
+              <a:rPr lang="en-GB" sz="1600" b="1" i="0" dirty="0">
+                <a:cs typeface="Arial"/>
+              </a:rPr>
+              <a:t>Distribution Code</a:t>
+            </a:r>
+            <a:r>
+              <a:rPr lang="en-GB" sz="1600" i="0" dirty="0">
+                <a:cs typeface="Arial"/>
+              </a:rPr>
+              <a:t>” cell and </a:t>
+            </a:r>
+            <a:r>
+              <a:rPr lang="en-GB" sz="1600" dirty="0">
+                <a:cs typeface="Arial"/>
+              </a:rPr>
+              <a:t>delete the ColumnName property</a:t>
+            </a:r>
+          </a:p>
+          <a:p>
+            <a:pPr marL="1000125" lvl="2" indent="-285750">
+              <a:buFont typeface="Arial" panose="020B0604020202020204" pitchFamily="34" charset="0"/>
+              <a:buChar char="•"/>
+            </a:pPr>
+            <a:r>
+              <a:rPr lang="en-GB" sz="1400" i="0" dirty="0">
+                <a:cs typeface="Arial"/>
+              </a:rPr>
+              <a:t>Delete the ColumnName property</a:t>
+            </a:r>
+          </a:p>
+          <a:p>
+            <a:pPr marL="1000125" lvl="2" indent="-285750">
+              <a:buFont typeface="Arial" panose="020B0604020202020204" pitchFamily="34" charset="0"/>
+              <a:buChar char="•"/>
+            </a:pPr>
+            <a:r>
+              <a:rPr lang="en-GB" sz="1400" dirty="0">
+                <a:cs typeface="Arial"/>
+              </a:rPr>
+              <a:t>Add the following Custom Function</a:t>
+            </a:r>
+            <a:endParaRPr lang="en-GB" sz="1400" i="0" dirty="0">
+              <a:cs typeface="Arial"/>
+            </a:endParaRPr>
+          </a:p>
+          <a:p>
+            <a:pPr lvl="2"/>
+            <a:r>
+              <a:rPr lang="en-US" sz="1400" dirty="0">
                 <a:solidFill>
-                  <a:schemeClr val="tx2"/>
+                  <a:srgbClr val="000000"/>
                 </a:solidFill>
-                <a:latin typeface="Sage Text" panose="02010503040201060103" pitchFamily="2" charset="77"/>
-                <a:ea typeface="+mn-ea"/>
-                <a:cs typeface="+mn-cs"/>
-              </a:defRPr>
-            </a:lvl1pPr>
-            <a:lvl2pPr marL="457200" indent="0" algn="ctr" defTabSz="914400" rtl="0" eaLnBrk="1" latinLnBrk="0" hangingPunct="1">
-              <a:lnSpc>
-                <a:spcPct val="100000"/>
-              </a:lnSpc>
-              <a:spcBef>
-                <a:spcPts val="500"/>
-              </a:spcBef>
-              <a:buFont typeface="Sage Text" panose="02010503040201060103" pitchFamily="50" charset="0"/>
-              <a:buNone/>
-              <a:defRPr lang="en-US" sz="2000" b="0" i="0" kern="1200">
+                <a:latin typeface="Consolas" panose="020B0609020204030204" pitchFamily="49" charset="0"/>
+              </a:rPr>
+              <a:t> </a:t>
+            </a:r>
+            <a:r>
+              <a:rPr lang="en-US" sz="1400" dirty="0">
                 <a:solidFill>
-                  <a:schemeClr val="bg1"/>
+                  <a:srgbClr val="0070C0"/>
                 </a:solidFill>
-                <a:latin typeface="Sage Text" panose="02010503040201060103" pitchFamily="2" charset="77"/>
-                <a:ea typeface="+mn-ea"/>
-                <a:cs typeface="+mn-cs"/>
-              </a:defRPr>
-            </a:lvl2pPr>
-            <a:lvl3pPr marL="914400" indent="0" algn="ctr" defTabSz="914400" rtl="0" eaLnBrk="1" latinLnBrk="0" hangingPunct="1">
-              <a:lnSpc>
-                <a:spcPct val="100000"/>
-              </a:lnSpc>
-              <a:spcBef>
-                <a:spcPts val="500"/>
-              </a:spcBef>
-              <a:buFont typeface="Sage Text" panose="02010503040201060103" pitchFamily="50" charset="0"/>
-              <a:buNone/>
-              <a:defRPr lang="en-US" sz="1800" b="0" i="0" kern="1200">
+                <a:latin typeface="Consolas" panose="020B0609020204030204" pitchFamily="49" charset="0"/>
+              </a:rPr>
+              <a:t>,"CustomFunctions"</a:t>
+            </a:r>
+            <a:r>
+              <a:rPr lang="en-US" sz="1400" dirty="0">
                 <a:solidFill>
-                  <a:schemeClr val="bg1"/>
+                  <a:srgbClr val="000000"/>
                 </a:solidFill>
-                <a:latin typeface="Sage Text" panose="02010503040201060103" pitchFamily="2" charset="77"/>
-                <a:ea typeface="+mn-ea"/>
-                <a:cs typeface="+mn-cs"/>
-              </a:defRPr>
-            </a:lvl3pPr>
-            <a:lvl4pPr marL="1371600" indent="0" algn="ctr" defTabSz="914400" rtl="0" eaLnBrk="1" latinLnBrk="0" hangingPunct="1">
-              <a:lnSpc>
-                <a:spcPct val="100000"/>
-              </a:lnSpc>
-              <a:spcBef>
-                <a:spcPts val="500"/>
-              </a:spcBef>
-              <a:buFont typeface="Sage Text" panose="02010503040201060103" pitchFamily="50" charset="0"/>
-              <a:buNone/>
-              <a:defRPr lang="en-US" sz="1600" b="0" i="0" kern="1200">
+                <a:latin typeface="Consolas" panose="020B0609020204030204" pitchFamily="49" charset="0"/>
+              </a:rPr>
+              <a:t>: [</a:t>
+            </a:r>
+          </a:p>
+          <a:p>
+            <a:pPr lvl="2"/>
+            <a:r>
+              <a:rPr lang="en-US" sz="1400" dirty="0">
                 <a:solidFill>
-                  <a:schemeClr val="bg1"/>
+                  <a:srgbClr val="000000"/>
                 </a:solidFill>
-                <a:latin typeface="Sage Text" panose="02010503040201060103" pitchFamily="2" charset="77"/>
-                <a:ea typeface="+mn-ea"/>
-                <a:cs typeface="+mn-cs"/>
-              </a:defRPr>
-            </a:lvl4pPr>
-            <a:lvl5pPr marL="1828800" indent="0" algn="ctr" defTabSz="914400" rtl="0" eaLnBrk="1" latinLnBrk="0" hangingPunct="1">
-              <a:lnSpc>
-                <a:spcPct val="100000"/>
-              </a:lnSpc>
-              <a:spcBef>
-                <a:spcPts val="500"/>
-              </a:spcBef>
-              <a:buFont typeface="Sage Text" panose="02010503040201060103" pitchFamily="50" charset="0"/>
-              <a:buNone/>
-              <a:defRPr lang="en-US" sz="1600" b="0" i="0" kern="1200">
+                <a:latin typeface="Consolas" panose="020B0609020204030204" pitchFamily="49" charset="0"/>
+              </a:rPr>
+              <a:t>        { "columnBeforeDisplay": "</a:t>
+            </a:r>
+            <a:r>
+              <a:rPr lang="en-US" sz="1400" dirty="0">
                 <a:solidFill>
-                  <a:schemeClr val="bg1"/>
+                  <a:srgbClr val="C00000"/>
                 </a:solidFill>
-                <a:latin typeface="Sage Text" panose="02010503040201060103" pitchFamily="2" charset="77"/>
-                <a:ea typeface="+mn-ea"/>
-                <a:cs typeface="+mn-cs"/>
-              </a:defRPr>
-            </a:lvl5pPr>
-            <a:lvl6pPr marL="2286000" indent="0" algn="ctr" defTabSz="914400" rtl="0" eaLnBrk="1" latinLnBrk="0" hangingPunct="1">
-              <a:lnSpc>
-                <a:spcPct val="90000"/>
-              </a:lnSpc>
-              <a:spcBef>
-                <a:spcPts val="500"/>
-              </a:spcBef>
-              <a:buFont typeface="Sage Text" panose="02010503040201060103" pitchFamily="50" charset="0"/>
-              <a:buNone/>
-              <a:defRPr sz="1600" kern="1200">
+                <a:latin typeface="Consolas" panose="020B0609020204030204" pitchFamily="49" charset="0"/>
+              </a:rPr>
+              <a:t>distributionSetUtility.setColumnTitle</a:t>
+            </a:r>
+            <a:r>
+              <a:rPr lang="en-US" sz="1400" dirty="0">
                 <a:solidFill>
-                  <a:schemeClr val="tx1"/>
+                  <a:srgbClr val="000000"/>
                 </a:solidFill>
-                <a:latin typeface="+mn-lt"/>
-                <a:ea typeface="+mn-ea"/>
-                <a:cs typeface="+mn-cs"/>
-              </a:defRPr>
-            </a:lvl6pPr>
-            <a:lvl7pPr marL="2743200" indent="0" algn="ctr" defTabSz="914400" rtl="0" eaLnBrk="1" latinLnBrk="0" hangingPunct="1">
-              <a:lnSpc>
-                <a:spcPct val="90000"/>
-              </a:lnSpc>
-              <a:spcBef>
-                <a:spcPts val="500"/>
-              </a:spcBef>
-              <a:buFont typeface="Sage Text" panose="02010503040201060103" pitchFamily="50" charset="0"/>
-              <a:buNone/>
-              <a:defRPr sz="1600" kern="1200">
+                <a:latin typeface="Consolas" panose="020B0609020204030204" pitchFamily="49" charset="0"/>
+              </a:rPr>
+              <a:t>" }</a:t>
+            </a:r>
+          </a:p>
+          <a:p>
+            <a:pPr lvl="2"/>
+            <a:r>
+              <a:rPr lang="en-US" sz="1400" dirty="0">
                 <a:solidFill>
-                  <a:schemeClr val="tx1"/>
+                  <a:srgbClr val="000000"/>
                 </a:solidFill>
-                <a:latin typeface="+mn-lt"/>
-                <a:ea typeface="+mn-ea"/>
-                <a:cs typeface="+mn-cs"/>
-              </a:defRPr>
-            </a:lvl7pPr>
-            <a:lvl8pPr marL="3200400" indent="0" algn="ctr" defTabSz="914400" rtl="0" eaLnBrk="1" latinLnBrk="0" hangingPunct="1">
-              <a:lnSpc>
-                <a:spcPct val="90000"/>
-              </a:lnSpc>
-              <a:spcBef>
-                <a:spcPts val="500"/>
-              </a:spcBef>
-              <a:buFont typeface="Sage Text" panose="02010503040201060103" pitchFamily="50" charset="0"/>
-              <a:buNone/>
-              <a:defRPr sz="1600" kern="1200">
+                <a:latin typeface="Consolas" panose="020B0609020204030204" pitchFamily="49" charset="0"/>
+              </a:rPr>
+              <a:t>      ]</a:t>
+            </a:r>
+            <a:endParaRPr lang="en-GB" sz="1400" i="0" dirty="0">
+              <a:cs typeface="Arial"/>
+            </a:endParaRPr>
+          </a:p>
+          <a:p>
+            <a:pPr marL="742950" lvl="1" indent="-285750">
+              <a:buFont typeface="Arial" panose="020B0604020202020204" pitchFamily="34" charset="0"/>
+              <a:buChar char="•"/>
+            </a:pPr>
+            <a:r>
+              <a:rPr lang="en-GB" sz="1400" dirty="0">
+                <a:cs typeface="Arial"/>
+              </a:rPr>
+              <a:t>Add the following Custom Function</a:t>
+            </a:r>
+          </a:p>
+          <a:p>
+            <a:r>
+              <a:rPr lang="en-US" sz="1400" dirty="0">
                 <a:solidFill>
-                  <a:schemeClr val="tx1"/>
+                  <a:srgbClr val="000000"/>
                 </a:solidFill>
-                <a:latin typeface="+mn-lt"/>
-                <a:ea typeface="+mn-ea"/>
-                <a:cs typeface="+mn-cs"/>
-              </a:defRPr>
-            </a:lvl8pPr>
-            <a:lvl9pPr marL="3657600" indent="0" algn="ctr" defTabSz="914400" rtl="0" eaLnBrk="1" latinLnBrk="0" hangingPunct="1">
-              <a:lnSpc>
-                <a:spcPct val="90000"/>
-              </a:lnSpc>
-              <a:spcBef>
-                <a:spcPts val="500"/>
-              </a:spcBef>
-              <a:buFont typeface="Sage Text" panose="02010503040201060103" pitchFamily="50" charset="0"/>
-              <a:buNone/>
-              <a:defRPr sz="1600" kern="1200">
+                <a:latin typeface="Consolas" panose="020B0609020204030204" pitchFamily="49" charset="0"/>
+              </a:rPr>
+              <a:t>    </a:t>
+            </a:r>
+            <a:r>
+              <a:rPr lang="en-US" sz="1400" dirty="0">
                 <a:solidFill>
-                  <a:schemeClr val="tx1"/>
+                  <a:srgbClr val="008000"/>
                 </a:solidFill>
-                <a:latin typeface="+mn-lt"/>
-                <a:ea typeface="+mn-ea"/>
-                <a:cs typeface="+mn-cs"/>
-              </a:defRPr>
-            </a:lvl9pPr>
-          </a:lstStyle>
-          <a:p>
-            <a:r>
-              <a:rPr lang="en-US" sz="2400" b="0" dirty="0"/>
-              <a:t>Create and Apply</a:t>
+                <a:latin typeface="Consolas" panose="020B0609020204030204" pitchFamily="49" charset="0"/>
+              </a:rPr>
+              <a:t>/**</a:t>
+            </a:r>
+          </a:p>
+          <a:p>
+            <a:r>
+              <a:rPr lang="en-US" sz="1400" dirty="0">
+                <a:solidFill>
+                  <a:srgbClr val="008000"/>
+                </a:solidFill>
+                <a:latin typeface="Consolas" panose="020B0609020204030204" pitchFamily="49" charset="0"/>
+              </a:rPr>
+              <a:t>    * set the custom column title</a:t>
+            </a:r>
+          </a:p>
+          <a:p>
+            <a:r>
+              <a:rPr lang="en-US" sz="1400" dirty="0">
+                <a:solidFill>
+                  <a:srgbClr val="008000"/>
+                </a:solidFill>
+                <a:latin typeface="Consolas" panose="020B0609020204030204" pitchFamily="49" charset="0"/>
+              </a:rPr>
+              <a:t>    * </a:t>
+            </a:r>
+            <a:r>
+              <a:rPr lang="en-US" sz="1400" dirty="0">
+                <a:solidFill>
+                  <a:srgbClr val="000000"/>
+                </a:solidFill>
+                <a:latin typeface="Consolas" panose="020B0609020204030204" pitchFamily="49" charset="0"/>
+              </a:rPr>
+              <a:t>@</a:t>
+            </a:r>
+            <a:r>
+              <a:rPr lang="en-US" sz="1400" dirty="0">
+                <a:solidFill>
+                  <a:srgbClr val="808080"/>
+                </a:solidFill>
+                <a:latin typeface="Consolas" panose="020B0609020204030204" pitchFamily="49" charset="0"/>
+              </a:rPr>
+              <a:t>param</a:t>
+            </a:r>
+            <a:r>
+              <a:rPr lang="en-US" sz="1400" dirty="0">
+                <a:solidFill>
+                  <a:srgbClr val="008000"/>
+                </a:solidFill>
+                <a:latin typeface="Consolas" panose="020B0609020204030204" pitchFamily="49" charset="0"/>
+              </a:rPr>
+              <a:t> </a:t>
+            </a:r>
+            <a:r>
+              <a:rPr lang="en-US" sz="1400" dirty="0">
+                <a:solidFill>
+                  <a:srgbClr val="000000"/>
+                </a:solidFill>
+                <a:latin typeface="Consolas" panose="020B0609020204030204" pitchFamily="49" charset="0"/>
+              </a:rPr>
+              <a:t>{</a:t>
+            </a:r>
+            <a:r>
+              <a:rPr lang="en-US" sz="1400" dirty="0">
+                <a:solidFill>
+                  <a:srgbClr val="0000FF"/>
+                </a:solidFill>
+                <a:latin typeface="Consolas" panose="020B0609020204030204" pitchFamily="49" charset="0"/>
+              </a:rPr>
+              <a:t>any</a:t>
+            </a:r>
+            <a:r>
+              <a:rPr lang="en-US" sz="1400" dirty="0">
+                <a:solidFill>
+                  <a:srgbClr val="000000"/>
+                </a:solidFill>
+                <a:latin typeface="Consolas" panose="020B0609020204030204" pitchFamily="49" charset="0"/>
+              </a:rPr>
+              <a:t>}</a:t>
+            </a:r>
+            <a:r>
+              <a:rPr lang="en-US" sz="1400" dirty="0">
+                <a:solidFill>
+                  <a:srgbClr val="008000"/>
+                </a:solidFill>
+                <a:latin typeface="Consolas" panose="020B0609020204030204" pitchFamily="49" charset="0"/>
+              </a:rPr>
+              <a:t> </a:t>
+            </a:r>
+            <a:r>
+              <a:rPr lang="en-US" sz="1400" dirty="0">
+                <a:solidFill>
+                  <a:srgbClr val="000000"/>
+                </a:solidFill>
+                <a:latin typeface="Consolas" panose="020B0609020204030204" pitchFamily="49" charset="0"/>
+              </a:rPr>
+              <a:t>e</a:t>
+            </a:r>
+            <a:r>
+              <a:rPr lang="en-US" sz="1400" dirty="0">
+                <a:solidFill>
+                  <a:srgbClr val="008000"/>
+                </a:solidFill>
+                <a:latin typeface="Consolas" panose="020B0609020204030204" pitchFamily="49" charset="0"/>
+              </a:rPr>
+              <a:t> event</a:t>
+            </a:r>
+          </a:p>
+          <a:p>
+            <a:r>
+              <a:rPr lang="en-US" sz="1400" dirty="0">
+                <a:solidFill>
+                  <a:srgbClr val="008000"/>
+                </a:solidFill>
+                <a:latin typeface="Consolas" panose="020B0609020204030204" pitchFamily="49" charset="0"/>
+              </a:rPr>
+              <a:t>    * </a:t>
+            </a:r>
+            <a:r>
+              <a:rPr lang="en-US" sz="1400" dirty="0">
+                <a:solidFill>
+                  <a:srgbClr val="000000"/>
+                </a:solidFill>
+                <a:latin typeface="Consolas" panose="020B0609020204030204" pitchFamily="49" charset="0"/>
+              </a:rPr>
+              <a:t>@</a:t>
+            </a:r>
+            <a:r>
+              <a:rPr lang="en-US" sz="1400" dirty="0">
+                <a:solidFill>
+                  <a:srgbClr val="808080"/>
+                </a:solidFill>
+                <a:latin typeface="Consolas" panose="020B0609020204030204" pitchFamily="49" charset="0"/>
+              </a:rPr>
+              <a:t>param</a:t>
+            </a:r>
+            <a:r>
+              <a:rPr lang="en-US" sz="1400" dirty="0">
+                <a:solidFill>
+                  <a:srgbClr val="008000"/>
+                </a:solidFill>
+                <a:latin typeface="Consolas" panose="020B0609020204030204" pitchFamily="49" charset="0"/>
+              </a:rPr>
+              <a:t> </a:t>
+            </a:r>
+            <a:r>
+              <a:rPr lang="en-US" sz="1400" dirty="0">
+                <a:solidFill>
+                  <a:srgbClr val="000000"/>
+                </a:solidFill>
+                <a:latin typeface="Consolas" panose="020B0609020204030204" pitchFamily="49" charset="0"/>
+              </a:rPr>
+              <a:t>{</a:t>
+            </a:r>
+            <a:r>
+              <a:rPr lang="en-US" sz="1400" dirty="0">
+                <a:solidFill>
+                  <a:srgbClr val="0000FF"/>
+                </a:solidFill>
+                <a:latin typeface="Consolas" panose="020B0609020204030204" pitchFamily="49" charset="0"/>
+              </a:rPr>
+              <a:t>any</a:t>
+            </a:r>
+            <a:r>
+              <a:rPr lang="en-US" sz="1400" dirty="0">
+                <a:solidFill>
+                  <a:srgbClr val="000000"/>
+                </a:solidFill>
+                <a:latin typeface="Consolas" panose="020B0609020204030204" pitchFamily="49" charset="0"/>
+              </a:rPr>
+              <a:t>}</a:t>
+            </a:r>
+            <a:r>
+              <a:rPr lang="en-US" sz="1400" dirty="0">
+                <a:solidFill>
+                  <a:srgbClr val="008000"/>
+                </a:solidFill>
+                <a:latin typeface="Consolas" panose="020B0609020204030204" pitchFamily="49" charset="0"/>
+              </a:rPr>
+              <a:t> </a:t>
+            </a:r>
+            <a:r>
+              <a:rPr lang="en-US" sz="1400" dirty="0">
+                <a:solidFill>
+                  <a:srgbClr val="000000"/>
+                </a:solidFill>
+                <a:latin typeface="Consolas" panose="020B0609020204030204" pitchFamily="49" charset="0"/>
+              </a:rPr>
+              <a:t>column</a:t>
+            </a:r>
+            <a:r>
+              <a:rPr lang="en-US" sz="1400" dirty="0">
+                <a:solidFill>
+                  <a:srgbClr val="008000"/>
+                </a:solidFill>
+                <a:latin typeface="Consolas" panose="020B0609020204030204" pitchFamily="49" charset="0"/>
+              </a:rPr>
+              <a:t> current column</a:t>
+            </a:r>
+          </a:p>
+          <a:p>
+            <a:r>
+              <a:rPr lang="en-US" sz="1400" dirty="0">
+                <a:solidFill>
+                  <a:srgbClr val="008000"/>
+                </a:solidFill>
+                <a:latin typeface="Consolas" panose="020B0609020204030204" pitchFamily="49" charset="0"/>
+              </a:rPr>
+              <a:t>    */</a:t>
+            </a:r>
+            <a:endParaRPr lang="en-US" sz="1400" dirty="0">
+              <a:solidFill>
+                <a:srgbClr val="000000"/>
+              </a:solidFill>
+              <a:latin typeface="Consolas" panose="020B0609020204030204" pitchFamily="49" charset="0"/>
+            </a:endParaRPr>
+          </a:p>
+          <a:p>
+            <a:r>
+              <a:rPr lang="en-US" sz="1400" dirty="0">
+                <a:solidFill>
+                  <a:srgbClr val="000000"/>
+                </a:solidFill>
+                <a:latin typeface="Consolas" panose="020B0609020204030204" pitchFamily="49" charset="0"/>
+              </a:rPr>
+              <a:t>    setColumnTitle: (e, column) =&gt; {</a:t>
+            </a:r>
+          </a:p>
+          <a:p>
+            <a:r>
+              <a:rPr lang="en-US" sz="1400" dirty="0">
+                <a:solidFill>
+                  <a:srgbClr val="000000"/>
+                </a:solidFill>
+                <a:latin typeface="Consolas" panose="020B0609020204030204" pitchFamily="49" charset="0"/>
+              </a:rPr>
+              <a:t>        column.ColumnName = </a:t>
+            </a:r>
+            <a:r>
+              <a:rPr lang="en-US" sz="1400" dirty="0">
+                <a:solidFill>
+                  <a:srgbClr val="A31515"/>
+                </a:solidFill>
+                <a:latin typeface="Consolas" panose="020B0609020204030204" pitchFamily="49" charset="0"/>
+              </a:rPr>
+              <a:t>"D Code"</a:t>
+            </a:r>
+            <a:r>
+              <a:rPr lang="en-US" sz="1400" dirty="0">
+                <a:solidFill>
+                  <a:srgbClr val="000000"/>
+                </a:solidFill>
+                <a:latin typeface="Consolas" panose="020B0609020204030204" pitchFamily="49" charset="0"/>
+              </a:rPr>
+              <a:t>;</a:t>
+            </a:r>
+          </a:p>
+          <a:p>
+            <a:r>
+              <a:rPr lang="en-US" sz="1400" dirty="0">
+                <a:solidFill>
+                  <a:srgbClr val="000000"/>
+                </a:solidFill>
+                <a:latin typeface="Consolas" panose="020B0609020204030204" pitchFamily="49" charset="0"/>
+              </a:rPr>
+              <a:t>        </a:t>
+            </a:r>
+            <a:r>
+              <a:rPr lang="en-US" sz="1400" dirty="0">
+                <a:solidFill>
+                  <a:srgbClr val="008000"/>
+                </a:solidFill>
+                <a:latin typeface="Consolas" panose="020B0609020204030204" pitchFamily="49" charset="0"/>
+              </a:rPr>
+              <a:t>// Can be localized like this</a:t>
+            </a:r>
+            <a:endParaRPr lang="en-US" sz="1400" dirty="0">
+              <a:solidFill>
+                <a:srgbClr val="000000"/>
+              </a:solidFill>
+              <a:latin typeface="Consolas" panose="020B0609020204030204" pitchFamily="49" charset="0"/>
+            </a:endParaRPr>
+          </a:p>
+          <a:p>
+            <a:r>
+              <a:rPr lang="en-US" sz="1400" dirty="0">
+                <a:solidFill>
+                  <a:srgbClr val="000000"/>
+                </a:solidFill>
+                <a:latin typeface="Consolas" panose="020B0609020204030204" pitchFamily="49" charset="0"/>
+              </a:rPr>
+              <a:t>        </a:t>
+            </a:r>
+            <a:r>
+              <a:rPr lang="en-US" sz="1400" dirty="0">
+                <a:solidFill>
+                  <a:srgbClr val="008000"/>
+                </a:solidFill>
+                <a:latin typeface="Consolas" panose="020B0609020204030204" pitchFamily="49" charset="0"/>
+              </a:rPr>
+              <a:t>// column.ColumnName = distributionSetResources[column.FieldName];</a:t>
+            </a:r>
+            <a:endParaRPr lang="en-US" sz="1400" dirty="0">
+              <a:solidFill>
+                <a:srgbClr val="000000"/>
+              </a:solidFill>
+              <a:latin typeface="Consolas" panose="020B0609020204030204" pitchFamily="49" charset="0"/>
+            </a:endParaRPr>
+          </a:p>
+          <a:p>
+            <a:r>
+              <a:rPr lang="en-US" sz="1400" dirty="0">
+                <a:solidFill>
+                  <a:srgbClr val="000000"/>
+                </a:solidFill>
+                <a:latin typeface="Consolas" panose="020B0609020204030204" pitchFamily="49" charset="0"/>
+              </a:rPr>
+              <a:t>    }</a:t>
+            </a:r>
+            <a:endParaRPr lang="en-GB" sz="1400" i="0" dirty="0">
+              <a:cs typeface="Arial"/>
+            </a:endParaRPr>
+          </a:p>
+          <a:p>
+            <a:pPr marL="285750" indent="-285750">
+              <a:buFont typeface="Arial" panose="020B0604020202020204" pitchFamily="34" charset="0"/>
+              <a:buChar char="•"/>
+            </a:pPr>
+            <a:r>
+              <a:rPr lang="en-GB" sz="1800" i="0" dirty="0">
+                <a:cs typeface="Arial"/>
+              </a:rPr>
+              <a:t>Press </a:t>
+            </a:r>
+            <a:r>
+              <a:rPr lang="en-GB" sz="1800" b="1" i="0" dirty="0">
+                <a:cs typeface="Arial"/>
+              </a:rPr>
+              <a:t>green</a:t>
+            </a:r>
+            <a:r>
+              <a:rPr lang="en-GB" sz="1800" i="0" dirty="0">
+                <a:cs typeface="Arial"/>
+              </a:rPr>
+              <a:t> arrow to debug.         </a:t>
+            </a:r>
+            <a:r>
+              <a:rPr lang="en-GB" sz="2000" i="0" dirty="0">
+                <a:cs typeface="Arial"/>
+              </a:rPr>
+              <a:t>You are now a complex screen expert!</a:t>
             </a:r>
           </a:p>
         </p:txBody>
@@ -15260,7 +15886,7 @@
     </p:spTree>
     <p:extLst>
       <p:ext uri="{BB962C8B-B14F-4D97-AF65-F5344CB8AC3E}">
-        <p14:creationId xmlns:p14="http://schemas.microsoft.com/office/powerpoint/2010/main" val="1391085997"/>
+        <p14:creationId xmlns:p14="http://schemas.microsoft.com/office/powerpoint/2010/main" val="2993295504"/>
       </p:ext>
     </p:extLst>
   </p:cSld>
@@ -15310,7 +15936,7 @@
           <a:p>
             <a:r>
               <a:rPr lang="en-US" dirty="0"/>
-              <a:t>Customization</a:t>
+              <a:t>Generate Screen</a:t>
             </a:r>
           </a:p>
         </p:txBody>
@@ -15338,7 +15964,7 @@
           <a:p>
             <a:r>
               <a:rPr lang="en-US" dirty="0"/>
-              <a:t>Create and Apply</a:t>
+              <a:t>Complex</a:t>
             </a:r>
           </a:p>
         </p:txBody>
@@ -15416,342 +16042,40 @@
           </a:p>
         </p:txBody>
       </p:sp>
-      <p:sp>
-        <p:nvSpPr>
-          <p:cNvPr id="12" name="TextBox 11">
+      <p:pic>
+        <p:nvPicPr>
+          <p:cNvPr id="10" name="Picture 9">
             <a:extLst>
               <a:ext uri="{FF2B5EF4-FFF2-40B4-BE49-F238E27FC236}">
-                <a16:creationId xmlns:a16="http://schemas.microsoft.com/office/drawing/2014/main" id="{31BC2E61-16D4-5FD4-4A65-89F6A236DF36}"/>
+                <a16:creationId xmlns:a16="http://schemas.microsoft.com/office/drawing/2014/main" id="{B278DF9E-869C-5446-9879-2566206591F3}"/>
               </a:ext>
             </a:extLst>
           </p:cNvPr>
-          <p:cNvSpPr txBox="1"/>
+          <p:cNvPicPr>
+            <a:picLocks noChangeAspect="1"/>
+          </p:cNvPicPr>
           <p:nvPr/>
-        </p:nvSpPr>
+        </p:nvPicPr>
+        <p:blipFill>
+          <a:blip r:embed="rId3"/>
+          <a:stretch>
+            <a:fillRect/>
+          </a:stretch>
+        </p:blipFill>
         <p:spPr>
           <a:xfrm>
-            <a:off x="411479" y="1602939"/>
-            <a:ext cx="11641976" cy="4198714"/>
+            <a:off x="1616237" y="2007082"/>
+            <a:ext cx="8581175" cy="3683604"/>
           </a:xfrm>
           <a:prstGeom prst="rect">
             <a:avLst/>
           </a:prstGeom>
-          <a:noFill/>
         </p:spPr>
-        <p:txBody>
-          <a:bodyPr wrap="square" rtlCol="0">
-            <a:spAutoFit/>
-          </a:bodyPr>
-          <a:lstStyle/>
-          <a:p>
-            <a:pPr marL="285750" indent="-285750">
-              <a:lnSpc>
-                <a:spcPct val="150000"/>
-              </a:lnSpc>
-              <a:buFont typeface="Arial" panose="020B0604020202020204" pitchFamily="34" charset="0"/>
-              <a:buChar char="•"/>
-            </a:pPr>
-            <a:r>
-              <a:rPr lang="en-GB" sz="1800" i="0" dirty="0">
-                <a:cs typeface="Arial"/>
-              </a:rPr>
-              <a:t>Create a new customization and apply it to the </a:t>
-            </a:r>
-            <a:r>
-              <a:rPr lang="en-GB" sz="1800" b="1" i="0" dirty="0">
-                <a:cs typeface="Arial"/>
-              </a:rPr>
-              <a:t>AP Distribution Sets</a:t>
-            </a:r>
-            <a:r>
-              <a:rPr lang="en-GB" sz="1800" i="0" dirty="0">
-                <a:cs typeface="Arial"/>
-              </a:rPr>
-              <a:t> screen</a:t>
-            </a:r>
-          </a:p>
-          <a:p>
-            <a:pPr marL="646113" lvl="1" indent="-285750">
-              <a:lnSpc>
-                <a:spcPct val="150000"/>
-              </a:lnSpc>
-              <a:buFont typeface="Arial" panose="020B0604020202020204" pitchFamily="34" charset="0"/>
-              <a:buChar char="•"/>
-            </a:pPr>
-            <a:r>
-              <a:rPr lang="en-GB" sz="1600" i="0" dirty="0">
-                <a:cs typeface="Arial"/>
-              </a:rPr>
-              <a:t>Click on an Edge browser to invoke the web screens (localhost/sage300)</a:t>
-            </a:r>
-          </a:p>
-          <a:p>
-            <a:pPr marL="646113" lvl="1" indent="-285750">
-              <a:lnSpc>
-                <a:spcPct val="150000"/>
-              </a:lnSpc>
-              <a:buFont typeface="Arial" panose="020B0604020202020204" pitchFamily="34" charset="0"/>
-              <a:buChar char="•"/>
-            </a:pPr>
-            <a:r>
-              <a:rPr lang="en-GB" sz="1600" i="0" dirty="0">
-                <a:cs typeface="Arial"/>
-              </a:rPr>
-              <a:t>Navigate to the </a:t>
-            </a:r>
-            <a:r>
-              <a:rPr lang="en-GB" sz="1600" b="1" i="0" dirty="0">
-                <a:cs typeface="Arial"/>
-              </a:rPr>
-              <a:t>AP Distribution Sets </a:t>
-            </a:r>
-            <a:r>
-              <a:rPr lang="en-GB" sz="1600" i="0" dirty="0">
-                <a:cs typeface="Arial"/>
-              </a:rPr>
-              <a:t>screen where we will be adding a button before the “</a:t>
-            </a:r>
-            <a:r>
-              <a:rPr lang="en-GB" sz="1600" b="1" i="0" dirty="0">
-                <a:cs typeface="Arial"/>
-              </a:rPr>
-              <a:t>Save</a:t>
-            </a:r>
-            <a:r>
-              <a:rPr lang="en-GB" sz="1600" i="0" dirty="0">
-                <a:cs typeface="Arial"/>
-              </a:rPr>
-              <a:t>” button called “btnHello”, which will display the message “Hello World”.</a:t>
-            </a:r>
-          </a:p>
-          <a:p>
-            <a:pPr marL="646113" lvl="1" indent="-285750">
-              <a:lnSpc>
-                <a:spcPct val="150000"/>
-              </a:lnSpc>
-              <a:buFont typeface="Arial" panose="020B0604020202020204" pitchFamily="34" charset="0"/>
-              <a:buChar char="•"/>
-            </a:pPr>
-            <a:r>
-              <a:rPr lang="en-GB" sz="1600" i="0" dirty="0">
-                <a:cs typeface="Arial"/>
-              </a:rPr>
-              <a:t>Right-click the “</a:t>
-            </a:r>
-            <a:r>
-              <a:rPr lang="en-GB" sz="1600" b="1" i="0" dirty="0">
-                <a:cs typeface="Arial"/>
-              </a:rPr>
-              <a:t>Save</a:t>
-            </a:r>
-            <a:r>
-              <a:rPr lang="en-GB" sz="1600" i="0" dirty="0">
-                <a:cs typeface="Arial"/>
-              </a:rPr>
-              <a:t>” button and select “</a:t>
-            </a:r>
-            <a:r>
-              <a:rPr lang="en-GB" sz="1600" b="1" i="0" dirty="0">
-                <a:cs typeface="Arial"/>
-              </a:rPr>
-              <a:t>Inspect</a:t>
-            </a:r>
-            <a:r>
-              <a:rPr lang="en-GB" sz="1600" i="0" dirty="0">
-                <a:cs typeface="Arial"/>
-              </a:rPr>
-              <a:t>”</a:t>
-            </a:r>
-          </a:p>
-          <a:p>
-            <a:pPr marL="646113" lvl="1" indent="-285750">
-              <a:lnSpc>
-                <a:spcPct val="150000"/>
-              </a:lnSpc>
-              <a:buFont typeface="Arial" panose="020B0604020202020204" pitchFamily="34" charset="0"/>
-              <a:buChar char="•"/>
-            </a:pPr>
-            <a:r>
-              <a:rPr lang="en-GB" sz="1600" i="0" dirty="0">
-                <a:cs typeface="Arial"/>
-              </a:rPr>
-              <a:t>Click on the “</a:t>
-            </a:r>
-            <a:r>
-              <a:rPr lang="en-GB" sz="1600" b="1" i="0" dirty="0">
-                <a:cs typeface="Arial"/>
-              </a:rPr>
-              <a:t>Save</a:t>
-            </a:r>
-            <a:r>
-              <a:rPr lang="en-GB" sz="1600" i="0" dirty="0">
-                <a:cs typeface="Arial"/>
-              </a:rPr>
-              <a:t>” button to see that its name is or id is “</a:t>
-            </a:r>
-            <a:r>
-              <a:rPr lang="en-GB" sz="1600" b="1" i="0" dirty="0">
-                <a:cs typeface="Arial"/>
-              </a:rPr>
-              <a:t>btnAdd</a:t>
-            </a:r>
-            <a:r>
-              <a:rPr lang="en-GB" sz="1600" i="0" dirty="0">
-                <a:cs typeface="Arial"/>
-              </a:rPr>
-              <a:t>”</a:t>
-            </a:r>
-          </a:p>
-          <a:p>
-            <a:pPr marL="285750" indent="-285750">
-              <a:lnSpc>
-                <a:spcPct val="150000"/>
-              </a:lnSpc>
-              <a:buFont typeface="Arial" panose="020B0604020202020204" pitchFamily="34" charset="0"/>
-              <a:buChar char="•"/>
-            </a:pPr>
-            <a:r>
-              <a:rPr lang="en-GB" sz="1800" i="0" dirty="0">
-                <a:cs typeface="Arial"/>
-              </a:rPr>
-              <a:t>In a file explorer, navigate to the c:\</a:t>
-            </a:r>
-            <a:r>
-              <a:rPr lang="en-GB" sz="1800" i="1" dirty="0">
-                <a:cs typeface="Arial"/>
-              </a:rPr>
-              <a:t>{Sage300WebSDK}</a:t>
-            </a:r>
-            <a:r>
-              <a:rPr lang="en-GB" sz="1800" i="0" dirty="0">
-                <a:cs typeface="Arial"/>
-              </a:rPr>
-              <a:t>\bin\wizards folder</a:t>
-            </a:r>
-          </a:p>
-          <a:p>
-            <a:pPr marL="646113" lvl="1" indent="-285750">
-              <a:lnSpc>
-                <a:spcPct val="150000"/>
-              </a:lnSpc>
-              <a:buFont typeface="Arial" panose="020B0604020202020204" pitchFamily="34" charset="0"/>
-              <a:buChar char="•"/>
-            </a:pPr>
-            <a:r>
-              <a:rPr lang="en-GB" sz="1600" i="0" dirty="0">
-                <a:cs typeface="Arial"/>
-              </a:rPr>
-              <a:t>Right  click on the </a:t>
-            </a:r>
-            <a:r>
-              <a:rPr lang="en-GB" sz="1600" b="1" i="0" dirty="0">
-                <a:cs typeface="Arial"/>
-              </a:rPr>
-              <a:t>Sage.CA.SBS.ERP.Sage300.CustomizationWizard.exe </a:t>
-            </a:r>
-            <a:r>
-              <a:rPr lang="en-GB" sz="1600" i="0" dirty="0">
-                <a:cs typeface="Arial"/>
-              </a:rPr>
-              <a:t>and select “</a:t>
-            </a:r>
-            <a:r>
-              <a:rPr lang="en-GB" sz="1600" b="1" i="0" dirty="0">
-                <a:cs typeface="Arial"/>
-              </a:rPr>
-              <a:t>properties</a:t>
-            </a:r>
-            <a:r>
-              <a:rPr lang="en-GB" sz="1600" i="0" dirty="0">
-                <a:cs typeface="Arial"/>
-              </a:rPr>
-              <a:t>”</a:t>
-            </a:r>
-          </a:p>
-          <a:p>
-            <a:pPr marL="1000125" lvl="2" indent="-285750">
-              <a:lnSpc>
-                <a:spcPct val="150000"/>
-              </a:lnSpc>
-              <a:buFont typeface="Arial" panose="020B0604020202020204" pitchFamily="34" charset="0"/>
-              <a:buChar char="•"/>
-            </a:pPr>
-            <a:r>
-              <a:rPr lang="en-GB" sz="1600" i="0" dirty="0">
-                <a:cs typeface="Arial"/>
-              </a:rPr>
-              <a:t>Select the “</a:t>
-            </a:r>
-            <a:r>
-              <a:rPr lang="en-GB" sz="1600" b="1" i="0" dirty="0">
-                <a:cs typeface="Arial"/>
-              </a:rPr>
-              <a:t>Unblock</a:t>
-            </a:r>
-            <a:r>
-              <a:rPr lang="en-GB" sz="1600" i="0" dirty="0">
-                <a:cs typeface="Arial"/>
-              </a:rPr>
-              <a:t>” checkbox if there is this option (internet clone safety)</a:t>
-            </a:r>
-          </a:p>
-          <a:p>
-            <a:pPr marL="1000125" lvl="2" indent="-285750">
-              <a:lnSpc>
-                <a:spcPct val="150000"/>
-              </a:lnSpc>
-              <a:buFont typeface="Arial" panose="020B0604020202020204" pitchFamily="34" charset="0"/>
-              <a:buChar char="•"/>
-            </a:pPr>
-            <a:r>
-              <a:rPr lang="en-GB" sz="1600" i="0" dirty="0">
-                <a:cs typeface="Arial"/>
-              </a:rPr>
-              <a:t>Press “</a:t>
-            </a:r>
-            <a:r>
-              <a:rPr lang="en-GB" sz="1600" b="1" i="0" dirty="0">
-                <a:cs typeface="Arial"/>
-              </a:rPr>
-              <a:t>OK</a:t>
-            </a:r>
-            <a:r>
-              <a:rPr lang="en-GB" sz="1600" i="0" dirty="0">
-                <a:cs typeface="Arial"/>
-              </a:rPr>
-              <a:t>”</a:t>
-            </a:r>
-          </a:p>
-          <a:p>
-            <a:pPr marL="646113" lvl="1" indent="-285750">
-              <a:lnSpc>
-                <a:spcPct val="150000"/>
-              </a:lnSpc>
-              <a:buFont typeface="Arial" panose="020B0604020202020204" pitchFamily="34" charset="0"/>
-              <a:buChar char="•"/>
-            </a:pPr>
-            <a:r>
-              <a:rPr lang="en-GB" sz="1600" i="0" dirty="0">
-                <a:cs typeface="Arial"/>
-              </a:rPr>
-              <a:t>Double click the </a:t>
-            </a:r>
-            <a:r>
-              <a:rPr lang="en-GB" sz="1600" b="1" i="0" dirty="0">
-                <a:cs typeface="Arial"/>
-              </a:rPr>
-              <a:t>Sage.CA.SBS.ERP.Sage300.CustomizationWizard.exe</a:t>
-            </a:r>
-            <a:endParaRPr lang="en-GB" sz="1600" i="0" dirty="0">
-              <a:cs typeface="Arial"/>
-            </a:endParaRPr>
-          </a:p>
-        </p:txBody>
-      </p:sp>
+      </p:pic>
     </p:spTree>
     <p:extLst>
       <p:ext uri="{BB962C8B-B14F-4D97-AF65-F5344CB8AC3E}">
-        <p14:creationId xmlns:p14="http://schemas.microsoft.com/office/powerpoint/2010/main" val="3290218128"/>
+        <p14:creationId xmlns:p14="http://schemas.microsoft.com/office/powerpoint/2010/main" val="3118899219"/>
       </p:ext>
     </p:extLst>
   </p:cSld>
@@ -15780,6 +16104,289 @@
       </p:grpSpPr>
       <p:sp>
         <p:nvSpPr>
+          <p:cNvPr id="8" name="Title 1">
+            <a:extLst>
+              <a:ext uri="{FF2B5EF4-FFF2-40B4-BE49-F238E27FC236}">
+                <a16:creationId xmlns:a16="http://schemas.microsoft.com/office/drawing/2014/main" id="{9E38FECC-D4FB-D296-53F0-888C8F598A3F}"/>
+              </a:ext>
+            </a:extLst>
+          </p:cNvPr>
+          <p:cNvSpPr txBox="1">
+            <a:spLocks/>
+          </p:cNvSpPr>
+          <p:nvPr/>
+        </p:nvSpPr>
+        <p:spPr>
+          <a:xfrm>
+            <a:off x="411480" y="356401"/>
+            <a:ext cx="9126220" cy="594360"/>
+          </a:xfrm>
+          <a:prstGeom prst="rect">
+            <a:avLst/>
+          </a:prstGeom>
+        </p:spPr>
+        <p:txBody>
+          <a:bodyPr vert="horz" lIns="0" tIns="0" rIns="0" bIns="0" rtlCol="0" anchor="t" anchorCtr="0">
+            <a:noAutofit/>
+          </a:bodyPr>
+          <a:lstStyle>
+            <a:lvl1pPr algn="l" defTabSz="914400" rtl="0" eaLnBrk="1" latinLnBrk="0" hangingPunct="1">
+              <a:lnSpc>
+                <a:spcPct val="90000"/>
+              </a:lnSpc>
+              <a:spcBef>
+                <a:spcPct val="0"/>
+              </a:spcBef>
+              <a:buNone/>
+              <a:defRPr sz="4400" b="0" i="0" kern="1200">
+                <a:solidFill>
+                  <a:schemeClr val="bg1"/>
+                </a:solidFill>
+                <a:latin typeface="Sage Headline Black" panose="02010A03040201060103" pitchFamily="2" charset="77"/>
+                <a:ea typeface="+mj-ea"/>
+                <a:cs typeface="+mj-cs"/>
+              </a:defRPr>
+            </a:lvl1pPr>
+          </a:lstStyle>
+          <a:p>
+            <a:r>
+              <a:rPr lang="en-US" dirty="0"/>
+              <a:t>Customization</a:t>
+            </a:r>
+          </a:p>
+        </p:txBody>
+      </p:sp>
+      <p:sp>
+        <p:nvSpPr>
+          <p:cNvPr id="9" name="Subtitle 2">
+            <a:extLst>
+              <a:ext uri="{FF2B5EF4-FFF2-40B4-BE49-F238E27FC236}">
+                <a16:creationId xmlns:a16="http://schemas.microsoft.com/office/drawing/2014/main" id="{90763248-3EF6-41E0-1D18-2063AACAAFE7}"/>
+              </a:ext>
+            </a:extLst>
+          </p:cNvPr>
+          <p:cNvSpPr txBox="1">
+            <a:spLocks/>
+          </p:cNvSpPr>
+          <p:nvPr/>
+        </p:nvSpPr>
+        <p:spPr>
+          <a:xfrm>
+            <a:off x="420623" y="1024338"/>
+            <a:ext cx="3820450" cy="1243584"/>
+          </a:xfrm>
+          <a:prstGeom prst="rect">
+            <a:avLst/>
+          </a:prstGeom>
+        </p:spPr>
+        <p:txBody>
+          <a:bodyPr vert="horz" lIns="0" tIns="45720" rIns="0" bIns="0" rtlCol="0">
+            <a:noAutofit/>
+          </a:bodyPr>
+          <a:lstStyle>
+            <a:lvl1pPr marL="0" indent="0" algn="l" defTabSz="914400" rtl="0" eaLnBrk="1" latinLnBrk="0" hangingPunct="1">
+              <a:lnSpc>
+                <a:spcPct val="100000"/>
+              </a:lnSpc>
+              <a:spcBef>
+                <a:spcPts val="1000"/>
+              </a:spcBef>
+              <a:buFont typeface="Sage Text" panose="02010503040201060103" pitchFamily="50" charset="0"/>
+              <a:buNone/>
+              <a:defRPr lang="en-US" sz="1600" b="1" i="0" kern="1200">
+                <a:solidFill>
+                  <a:schemeClr val="tx2"/>
+                </a:solidFill>
+                <a:latin typeface="Sage Text" panose="02010503040201060103" pitchFamily="2" charset="77"/>
+                <a:ea typeface="+mn-ea"/>
+                <a:cs typeface="+mn-cs"/>
+              </a:defRPr>
+            </a:lvl1pPr>
+            <a:lvl2pPr marL="457200" indent="0" algn="ctr" defTabSz="914400" rtl="0" eaLnBrk="1" latinLnBrk="0" hangingPunct="1">
+              <a:lnSpc>
+                <a:spcPct val="100000"/>
+              </a:lnSpc>
+              <a:spcBef>
+                <a:spcPts val="500"/>
+              </a:spcBef>
+              <a:buFont typeface="Sage Text" panose="02010503040201060103" pitchFamily="50" charset="0"/>
+              <a:buNone/>
+              <a:defRPr lang="en-US" sz="2000" b="0" i="0" kern="1200">
+                <a:solidFill>
+                  <a:schemeClr val="bg1"/>
+                </a:solidFill>
+                <a:latin typeface="Sage Text" panose="02010503040201060103" pitchFamily="2" charset="77"/>
+                <a:ea typeface="+mn-ea"/>
+                <a:cs typeface="+mn-cs"/>
+              </a:defRPr>
+            </a:lvl2pPr>
+            <a:lvl3pPr marL="914400" indent="0" algn="ctr" defTabSz="914400" rtl="0" eaLnBrk="1" latinLnBrk="0" hangingPunct="1">
+              <a:lnSpc>
+                <a:spcPct val="100000"/>
+              </a:lnSpc>
+              <a:spcBef>
+                <a:spcPts val="500"/>
+              </a:spcBef>
+              <a:buFont typeface="Sage Text" panose="02010503040201060103" pitchFamily="50" charset="0"/>
+              <a:buNone/>
+              <a:defRPr lang="en-US" sz="1800" b="0" i="0" kern="1200">
+                <a:solidFill>
+                  <a:schemeClr val="bg1"/>
+                </a:solidFill>
+                <a:latin typeface="Sage Text" panose="02010503040201060103" pitchFamily="2" charset="77"/>
+                <a:ea typeface="+mn-ea"/>
+                <a:cs typeface="+mn-cs"/>
+              </a:defRPr>
+            </a:lvl3pPr>
+            <a:lvl4pPr marL="1371600" indent="0" algn="ctr" defTabSz="914400" rtl="0" eaLnBrk="1" latinLnBrk="0" hangingPunct="1">
+              <a:lnSpc>
+                <a:spcPct val="100000"/>
+              </a:lnSpc>
+              <a:spcBef>
+                <a:spcPts val="500"/>
+              </a:spcBef>
+              <a:buFont typeface="Sage Text" panose="02010503040201060103" pitchFamily="50" charset="0"/>
+              <a:buNone/>
+              <a:defRPr lang="en-US" sz="1600" b="0" i="0" kern="1200">
+                <a:solidFill>
+                  <a:schemeClr val="bg1"/>
+                </a:solidFill>
+                <a:latin typeface="Sage Text" panose="02010503040201060103" pitchFamily="2" charset="77"/>
+                <a:ea typeface="+mn-ea"/>
+                <a:cs typeface="+mn-cs"/>
+              </a:defRPr>
+            </a:lvl4pPr>
+            <a:lvl5pPr marL="1828800" indent="0" algn="ctr" defTabSz="914400" rtl="0" eaLnBrk="1" latinLnBrk="0" hangingPunct="1">
+              <a:lnSpc>
+                <a:spcPct val="100000"/>
+              </a:lnSpc>
+              <a:spcBef>
+                <a:spcPts val="500"/>
+              </a:spcBef>
+              <a:buFont typeface="Sage Text" panose="02010503040201060103" pitchFamily="50" charset="0"/>
+              <a:buNone/>
+              <a:defRPr lang="en-US" sz="1600" b="0" i="0" kern="1200">
+                <a:solidFill>
+                  <a:schemeClr val="bg1"/>
+                </a:solidFill>
+                <a:latin typeface="Sage Text" panose="02010503040201060103" pitchFamily="2" charset="77"/>
+                <a:ea typeface="+mn-ea"/>
+                <a:cs typeface="+mn-cs"/>
+              </a:defRPr>
+            </a:lvl5pPr>
+            <a:lvl6pPr marL="2286000" indent="0" algn="ctr" defTabSz="914400" rtl="0" eaLnBrk="1" latinLnBrk="0" hangingPunct="1">
+              <a:lnSpc>
+                <a:spcPct val="90000"/>
+              </a:lnSpc>
+              <a:spcBef>
+                <a:spcPts val="500"/>
+              </a:spcBef>
+              <a:buFont typeface="Sage Text" panose="02010503040201060103" pitchFamily="50" charset="0"/>
+              <a:buNone/>
+              <a:defRPr sz="1600" kern="1200">
+                <a:solidFill>
+                  <a:schemeClr val="tx1"/>
+                </a:solidFill>
+                <a:latin typeface="+mn-lt"/>
+                <a:ea typeface="+mn-ea"/>
+                <a:cs typeface="+mn-cs"/>
+              </a:defRPr>
+            </a:lvl6pPr>
+            <a:lvl7pPr marL="2743200" indent="0" algn="ctr" defTabSz="914400" rtl="0" eaLnBrk="1" latinLnBrk="0" hangingPunct="1">
+              <a:lnSpc>
+                <a:spcPct val="90000"/>
+              </a:lnSpc>
+              <a:spcBef>
+                <a:spcPts val="500"/>
+              </a:spcBef>
+              <a:buFont typeface="Sage Text" panose="02010503040201060103" pitchFamily="50" charset="0"/>
+              <a:buNone/>
+              <a:defRPr sz="1600" kern="1200">
+                <a:solidFill>
+                  <a:schemeClr val="tx1"/>
+                </a:solidFill>
+                <a:latin typeface="+mn-lt"/>
+                <a:ea typeface="+mn-ea"/>
+                <a:cs typeface="+mn-cs"/>
+              </a:defRPr>
+            </a:lvl7pPr>
+            <a:lvl8pPr marL="3200400" indent="0" algn="ctr" defTabSz="914400" rtl="0" eaLnBrk="1" latinLnBrk="0" hangingPunct="1">
+              <a:lnSpc>
+                <a:spcPct val="90000"/>
+              </a:lnSpc>
+              <a:spcBef>
+                <a:spcPts val="500"/>
+              </a:spcBef>
+              <a:buFont typeface="Sage Text" panose="02010503040201060103" pitchFamily="50" charset="0"/>
+              <a:buNone/>
+              <a:defRPr sz="1600" kern="1200">
+                <a:solidFill>
+                  <a:schemeClr val="tx1"/>
+                </a:solidFill>
+                <a:latin typeface="+mn-lt"/>
+                <a:ea typeface="+mn-ea"/>
+                <a:cs typeface="+mn-cs"/>
+              </a:defRPr>
+            </a:lvl8pPr>
+            <a:lvl9pPr marL="3657600" indent="0" algn="ctr" defTabSz="914400" rtl="0" eaLnBrk="1" latinLnBrk="0" hangingPunct="1">
+              <a:lnSpc>
+                <a:spcPct val="90000"/>
+              </a:lnSpc>
+              <a:spcBef>
+                <a:spcPts val="500"/>
+              </a:spcBef>
+              <a:buFont typeface="Sage Text" panose="02010503040201060103" pitchFamily="50" charset="0"/>
+              <a:buNone/>
+              <a:defRPr sz="1600" kern="1200">
+                <a:solidFill>
+                  <a:schemeClr val="tx1"/>
+                </a:solidFill>
+                <a:latin typeface="+mn-lt"/>
+                <a:ea typeface="+mn-ea"/>
+                <a:cs typeface="+mn-cs"/>
+              </a:defRPr>
+            </a:lvl9pPr>
+          </a:lstStyle>
+          <a:p>
+            <a:r>
+              <a:rPr lang="en-US" sz="2400" b="0" dirty="0"/>
+              <a:t>Create and Apply</a:t>
+            </a:r>
+          </a:p>
+        </p:txBody>
+      </p:sp>
+    </p:spTree>
+    <p:extLst>
+      <p:ext uri="{BB962C8B-B14F-4D97-AF65-F5344CB8AC3E}">
+        <p14:creationId xmlns:p14="http://schemas.microsoft.com/office/powerpoint/2010/main" val="1391085997"/>
+      </p:ext>
+    </p:extLst>
+  </p:cSld>
+  <p:clrMapOvr>
+    <a:masterClrMapping/>
+  </p:clrMapOvr>
+</p:sld>
+</file>
+
+<file path=ppt/slides/slide28.xml><?xml version="1.0" encoding="utf-8"?>
+<p:sld xmlns:a="http://schemas.openxmlformats.org/drawingml/2006/main" xmlns:r="http://schemas.openxmlformats.org/officeDocument/2006/relationships" xmlns:p="http://schemas.openxmlformats.org/presentationml/2006/main">
+  <p:cSld>
+    <p:spTree>
+      <p:nvGrpSpPr>
+        <p:cNvPr id="1" name=""/>
+        <p:cNvGrpSpPr/>
+        <p:nvPr/>
+      </p:nvGrpSpPr>
+      <p:grpSpPr>
+        <a:xfrm>
+          <a:off x="0" y="0"/>
+          <a:ext cx="0" cy="0"/>
+          <a:chOff x="0" y="0"/>
+          <a:chExt cx="0" cy="0"/>
+        </a:xfrm>
+      </p:grpSpPr>
+      <p:sp>
+        <p:nvSpPr>
           <p:cNvPr id="2" name="Title 1">
             <a:extLst>
               <a:ext uri="{FF2B5EF4-FFF2-40B4-BE49-F238E27FC236}">
@@ -15862,7 +16469,498 @@
             <a:fld id="{888928BD-9DD5-4B49-B597-3FD2BD4272DD}" type="slidenum">
               <a:rPr smtClean="0"/>
               <a:pPr/>
-              <a:t>27</a:t>
+              <a:t>28</a:t>
+            </a:fld>
+            <a:endParaRPr dirty="0"/>
+          </a:p>
+        </p:txBody>
+      </p:sp>
+      <p:sp>
+        <p:nvSpPr>
+          <p:cNvPr id="9" name="TextBox 8">
+            <a:extLst>
+              <a:ext uri="{FF2B5EF4-FFF2-40B4-BE49-F238E27FC236}">
+                <a16:creationId xmlns:a16="http://schemas.microsoft.com/office/drawing/2014/main" id="{6377D1D6-166C-0B2B-FD12-394853B19CD9}"/>
+              </a:ext>
+            </a:extLst>
+          </p:cNvPr>
+          <p:cNvSpPr txBox="1"/>
+          <p:nvPr/>
+        </p:nvSpPr>
+        <p:spPr>
+          <a:xfrm>
+            <a:off x="3773781" y="2007082"/>
+            <a:ext cx="2133044" cy="400110"/>
+          </a:xfrm>
+          <a:prstGeom prst="rect">
+            <a:avLst/>
+          </a:prstGeom>
+          <a:noFill/>
+        </p:spPr>
+        <p:txBody>
+          <a:bodyPr wrap="square" rtlCol="0">
+            <a:spAutoFit/>
+          </a:bodyPr>
+          <a:lstStyle/>
+          <a:p>
+            <a:r>
+              <a:rPr lang="en-US" sz="2000" dirty="0">
+                <a:solidFill>
+                  <a:schemeClr val="bg1"/>
+                </a:solidFill>
+              </a:rPr>
+              <a:t>Web Screens</a:t>
+            </a:r>
+          </a:p>
+        </p:txBody>
+      </p:sp>
+      <p:sp>
+        <p:nvSpPr>
+          <p:cNvPr id="12" name="TextBox 11">
+            <a:extLst>
+              <a:ext uri="{FF2B5EF4-FFF2-40B4-BE49-F238E27FC236}">
+                <a16:creationId xmlns:a16="http://schemas.microsoft.com/office/drawing/2014/main" id="{31BC2E61-16D4-5FD4-4A65-89F6A236DF36}"/>
+              </a:ext>
+            </a:extLst>
+          </p:cNvPr>
+          <p:cNvSpPr txBox="1"/>
+          <p:nvPr/>
+        </p:nvSpPr>
+        <p:spPr>
+          <a:xfrm>
+            <a:off x="411479" y="1602939"/>
+            <a:ext cx="11641976" cy="4198714"/>
+          </a:xfrm>
+          <a:prstGeom prst="rect">
+            <a:avLst/>
+          </a:prstGeom>
+          <a:noFill/>
+        </p:spPr>
+        <p:txBody>
+          <a:bodyPr wrap="square" rtlCol="0">
+            <a:spAutoFit/>
+          </a:bodyPr>
+          <a:lstStyle/>
+          <a:p>
+            <a:pPr marL="285750" indent="-285750">
+              <a:lnSpc>
+                <a:spcPct val="150000"/>
+              </a:lnSpc>
+              <a:buFont typeface="Arial" panose="020B0604020202020204" pitchFamily="34" charset="0"/>
+              <a:buChar char="•"/>
+            </a:pPr>
+            <a:r>
+              <a:rPr lang="en-GB" sz="1800" i="0" dirty="0">
+                <a:cs typeface="Arial"/>
+              </a:rPr>
+              <a:t>Create a new customization and apply it to the </a:t>
+            </a:r>
+            <a:r>
+              <a:rPr lang="en-GB" sz="1800" b="1" i="0" dirty="0">
+                <a:cs typeface="Arial"/>
+              </a:rPr>
+              <a:t>AP Distribution Sets</a:t>
+            </a:r>
+            <a:r>
+              <a:rPr lang="en-GB" sz="1800" i="0" dirty="0">
+                <a:cs typeface="Arial"/>
+              </a:rPr>
+              <a:t> screen</a:t>
+            </a:r>
+          </a:p>
+          <a:p>
+            <a:pPr marL="646113" lvl="1" indent="-285750">
+              <a:lnSpc>
+                <a:spcPct val="150000"/>
+              </a:lnSpc>
+              <a:buFont typeface="Arial" panose="020B0604020202020204" pitchFamily="34" charset="0"/>
+              <a:buChar char="•"/>
+            </a:pPr>
+            <a:r>
+              <a:rPr lang="en-GB" sz="1600" i="0" dirty="0">
+                <a:cs typeface="Arial"/>
+              </a:rPr>
+              <a:t>Click on an Edge browser to invoke the web screens (localhost/sage300)</a:t>
+            </a:r>
+          </a:p>
+          <a:p>
+            <a:pPr marL="646113" lvl="1" indent="-285750">
+              <a:lnSpc>
+                <a:spcPct val="150000"/>
+              </a:lnSpc>
+              <a:buFont typeface="Arial" panose="020B0604020202020204" pitchFamily="34" charset="0"/>
+              <a:buChar char="•"/>
+            </a:pPr>
+            <a:r>
+              <a:rPr lang="en-GB" sz="1600" i="0" dirty="0">
+                <a:cs typeface="Arial"/>
+              </a:rPr>
+              <a:t>Navigate to the </a:t>
+            </a:r>
+            <a:r>
+              <a:rPr lang="en-GB" sz="1600" b="1" i="0" dirty="0">
+                <a:cs typeface="Arial"/>
+              </a:rPr>
+              <a:t>AP Distribution Sets </a:t>
+            </a:r>
+            <a:r>
+              <a:rPr lang="en-GB" sz="1600" i="0" dirty="0">
+                <a:cs typeface="Arial"/>
+              </a:rPr>
+              <a:t>screen where we will be adding a button before the “</a:t>
+            </a:r>
+            <a:r>
+              <a:rPr lang="en-GB" sz="1600" b="1" i="0" dirty="0">
+                <a:cs typeface="Arial"/>
+              </a:rPr>
+              <a:t>Save</a:t>
+            </a:r>
+            <a:r>
+              <a:rPr lang="en-GB" sz="1600" i="0" dirty="0">
+                <a:cs typeface="Arial"/>
+              </a:rPr>
+              <a:t>” button called “btnHello”, which will display the message “Hello World”.</a:t>
+            </a:r>
+          </a:p>
+          <a:p>
+            <a:pPr marL="646113" lvl="1" indent="-285750">
+              <a:lnSpc>
+                <a:spcPct val="150000"/>
+              </a:lnSpc>
+              <a:buFont typeface="Arial" panose="020B0604020202020204" pitchFamily="34" charset="0"/>
+              <a:buChar char="•"/>
+            </a:pPr>
+            <a:r>
+              <a:rPr lang="en-GB" sz="1600" i="0" dirty="0">
+                <a:cs typeface="Arial"/>
+              </a:rPr>
+              <a:t>Right-click the “</a:t>
+            </a:r>
+            <a:r>
+              <a:rPr lang="en-GB" sz="1600" b="1" i="0" dirty="0">
+                <a:cs typeface="Arial"/>
+              </a:rPr>
+              <a:t>Save</a:t>
+            </a:r>
+            <a:r>
+              <a:rPr lang="en-GB" sz="1600" i="0" dirty="0">
+                <a:cs typeface="Arial"/>
+              </a:rPr>
+              <a:t>” button and select “</a:t>
+            </a:r>
+            <a:r>
+              <a:rPr lang="en-GB" sz="1600" b="1" i="0" dirty="0">
+                <a:cs typeface="Arial"/>
+              </a:rPr>
+              <a:t>Inspect</a:t>
+            </a:r>
+            <a:r>
+              <a:rPr lang="en-GB" sz="1600" i="0" dirty="0">
+                <a:cs typeface="Arial"/>
+              </a:rPr>
+              <a:t>”</a:t>
+            </a:r>
+          </a:p>
+          <a:p>
+            <a:pPr marL="646113" lvl="1" indent="-285750">
+              <a:lnSpc>
+                <a:spcPct val="150000"/>
+              </a:lnSpc>
+              <a:buFont typeface="Arial" panose="020B0604020202020204" pitchFamily="34" charset="0"/>
+              <a:buChar char="•"/>
+            </a:pPr>
+            <a:r>
+              <a:rPr lang="en-GB" sz="1600" i="0" dirty="0">
+                <a:cs typeface="Arial"/>
+              </a:rPr>
+              <a:t>Click on the “</a:t>
+            </a:r>
+            <a:r>
+              <a:rPr lang="en-GB" sz="1600" b="1" i="0" dirty="0">
+                <a:cs typeface="Arial"/>
+              </a:rPr>
+              <a:t>Save</a:t>
+            </a:r>
+            <a:r>
+              <a:rPr lang="en-GB" sz="1600" i="0" dirty="0">
+                <a:cs typeface="Arial"/>
+              </a:rPr>
+              <a:t>” button to see that its name is or id is “</a:t>
+            </a:r>
+            <a:r>
+              <a:rPr lang="en-GB" sz="1600" b="1" i="0" dirty="0">
+                <a:cs typeface="Arial"/>
+              </a:rPr>
+              <a:t>btnAdd</a:t>
+            </a:r>
+            <a:r>
+              <a:rPr lang="en-GB" sz="1600" i="0" dirty="0">
+                <a:cs typeface="Arial"/>
+              </a:rPr>
+              <a:t>”</a:t>
+            </a:r>
+          </a:p>
+          <a:p>
+            <a:pPr marL="285750" indent="-285750">
+              <a:lnSpc>
+                <a:spcPct val="150000"/>
+              </a:lnSpc>
+              <a:buFont typeface="Arial" panose="020B0604020202020204" pitchFamily="34" charset="0"/>
+              <a:buChar char="•"/>
+            </a:pPr>
+            <a:r>
+              <a:rPr lang="en-GB" sz="1800" i="0" dirty="0">
+                <a:cs typeface="Arial"/>
+              </a:rPr>
+              <a:t>In a file explorer, navigate to the c:\</a:t>
+            </a:r>
+            <a:r>
+              <a:rPr lang="en-GB" sz="1800" i="1" dirty="0">
+                <a:cs typeface="Arial"/>
+              </a:rPr>
+              <a:t>{Sage300WebSDK}</a:t>
+            </a:r>
+            <a:r>
+              <a:rPr lang="en-GB" sz="1800" i="0" dirty="0">
+                <a:cs typeface="Arial"/>
+              </a:rPr>
+              <a:t>\bin\wizards folder</a:t>
+            </a:r>
+          </a:p>
+          <a:p>
+            <a:pPr marL="646113" lvl="1" indent="-285750">
+              <a:lnSpc>
+                <a:spcPct val="150000"/>
+              </a:lnSpc>
+              <a:buFont typeface="Arial" panose="020B0604020202020204" pitchFamily="34" charset="0"/>
+              <a:buChar char="•"/>
+            </a:pPr>
+            <a:r>
+              <a:rPr lang="en-GB" sz="1600" i="0" dirty="0">
+                <a:cs typeface="Arial"/>
+              </a:rPr>
+              <a:t>Right  click on the </a:t>
+            </a:r>
+            <a:r>
+              <a:rPr lang="en-GB" sz="1600" b="1" i="0" dirty="0">
+                <a:cs typeface="Arial"/>
+              </a:rPr>
+              <a:t>Sage.CA.SBS.ERP.Sage300.CustomizationWizard.exe </a:t>
+            </a:r>
+            <a:r>
+              <a:rPr lang="en-GB" sz="1600" i="0" dirty="0">
+                <a:cs typeface="Arial"/>
+              </a:rPr>
+              <a:t>and select “</a:t>
+            </a:r>
+            <a:r>
+              <a:rPr lang="en-GB" sz="1600" b="1" i="0" dirty="0">
+                <a:cs typeface="Arial"/>
+              </a:rPr>
+              <a:t>properties</a:t>
+            </a:r>
+            <a:r>
+              <a:rPr lang="en-GB" sz="1600" i="0" dirty="0">
+                <a:cs typeface="Arial"/>
+              </a:rPr>
+              <a:t>”</a:t>
+            </a:r>
+          </a:p>
+          <a:p>
+            <a:pPr marL="1000125" lvl="2" indent="-285750">
+              <a:lnSpc>
+                <a:spcPct val="150000"/>
+              </a:lnSpc>
+              <a:buFont typeface="Arial" panose="020B0604020202020204" pitchFamily="34" charset="0"/>
+              <a:buChar char="•"/>
+            </a:pPr>
+            <a:r>
+              <a:rPr lang="en-GB" sz="1600" i="0" dirty="0">
+                <a:cs typeface="Arial"/>
+              </a:rPr>
+              <a:t>Select the “</a:t>
+            </a:r>
+            <a:r>
+              <a:rPr lang="en-GB" sz="1600" b="1" i="0" dirty="0">
+                <a:cs typeface="Arial"/>
+              </a:rPr>
+              <a:t>Unblock</a:t>
+            </a:r>
+            <a:r>
+              <a:rPr lang="en-GB" sz="1600" i="0" dirty="0">
+                <a:cs typeface="Arial"/>
+              </a:rPr>
+              <a:t>” checkbox if there is this option (internet clone safety)</a:t>
+            </a:r>
+          </a:p>
+          <a:p>
+            <a:pPr marL="1457325" lvl="3" indent="-285750">
+              <a:lnSpc>
+                <a:spcPct val="150000"/>
+              </a:lnSpc>
+              <a:buFont typeface="Arial" panose="020B0604020202020204" pitchFamily="34" charset="0"/>
+              <a:buChar char="•"/>
+            </a:pPr>
+            <a:r>
+              <a:rPr lang="en-GB" sz="1600" i="0" dirty="0">
+                <a:cs typeface="Arial"/>
+              </a:rPr>
+              <a:t>Press “</a:t>
+            </a:r>
+            <a:r>
+              <a:rPr lang="en-GB" sz="1600" b="1" i="0" dirty="0">
+                <a:cs typeface="Arial"/>
+              </a:rPr>
+              <a:t>OK</a:t>
+            </a:r>
+            <a:r>
+              <a:rPr lang="en-GB" sz="1600" i="0" dirty="0">
+                <a:cs typeface="Arial"/>
+              </a:rPr>
+              <a:t>”</a:t>
+            </a:r>
+          </a:p>
+          <a:p>
+            <a:pPr marL="646113" lvl="1" indent="-285750">
+              <a:lnSpc>
+                <a:spcPct val="150000"/>
+              </a:lnSpc>
+              <a:buFont typeface="Arial" panose="020B0604020202020204" pitchFamily="34" charset="0"/>
+              <a:buChar char="•"/>
+            </a:pPr>
+            <a:r>
+              <a:rPr lang="en-GB" sz="1600" i="0" dirty="0">
+                <a:cs typeface="Arial"/>
+              </a:rPr>
+              <a:t>Double click the </a:t>
+            </a:r>
+            <a:r>
+              <a:rPr lang="en-GB" sz="1600" b="1" i="0" dirty="0">
+                <a:cs typeface="Arial"/>
+              </a:rPr>
+              <a:t>Sage.CA.SBS.ERP.Sage300.CustomizationWizard.exe</a:t>
+            </a:r>
+            <a:endParaRPr lang="en-GB" sz="1600" i="0" dirty="0">
+              <a:cs typeface="Arial"/>
+            </a:endParaRPr>
+          </a:p>
+        </p:txBody>
+      </p:sp>
+    </p:spTree>
+    <p:extLst>
+      <p:ext uri="{BB962C8B-B14F-4D97-AF65-F5344CB8AC3E}">
+        <p14:creationId xmlns:p14="http://schemas.microsoft.com/office/powerpoint/2010/main" val="3290218128"/>
+      </p:ext>
+    </p:extLst>
+  </p:cSld>
+  <p:clrMapOvr>
+    <a:masterClrMapping/>
+  </p:clrMapOvr>
+</p:sld>
+</file>
+
+<file path=ppt/slides/slide29.xml><?xml version="1.0" encoding="utf-8"?>
+<p:sld xmlns:a="http://schemas.openxmlformats.org/drawingml/2006/main" xmlns:r="http://schemas.openxmlformats.org/officeDocument/2006/relationships" xmlns:p="http://schemas.openxmlformats.org/presentationml/2006/main">
+  <p:cSld>
+    <p:spTree>
+      <p:nvGrpSpPr>
+        <p:cNvPr id="1" name=""/>
+        <p:cNvGrpSpPr/>
+        <p:nvPr/>
+      </p:nvGrpSpPr>
+      <p:grpSpPr>
+        <a:xfrm>
+          <a:off x="0" y="0"/>
+          <a:ext cx="0" cy="0"/>
+          <a:chOff x="0" y="0"/>
+          <a:chExt cx="0" cy="0"/>
+        </a:xfrm>
+      </p:grpSpPr>
+      <p:sp>
+        <p:nvSpPr>
+          <p:cNvPr id="2" name="Title 1">
+            <a:extLst>
+              <a:ext uri="{FF2B5EF4-FFF2-40B4-BE49-F238E27FC236}">
+                <a16:creationId xmlns:a16="http://schemas.microsoft.com/office/drawing/2014/main" id="{BA6C69B8-5719-314E-939A-ECE8F8D96F02}"/>
+              </a:ext>
+            </a:extLst>
+          </p:cNvPr>
+          <p:cNvSpPr>
+            <a:spLocks noGrp="1"/>
+          </p:cNvSpPr>
+          <p:nvPr>
+            <p:ph type="title"/>
+          </p:nvPr>
+        </p:nvSpPr>
+        <p:spPr/>
+        <p:txBody>
+          <a:bodyPr/>
+          <a:lstStyle/>
+          <a:p>
+            <a:r>
+              <a:rPr lang="en-US" dirty="0"/>
+              <a:t>Customization</a:t>
+            </a:r>
+          </a:p>
+        </p:txBody>
+      </p:sp>
+      <p:sp>
+        <p:nvSpPr>
+          <p:cNvPr id="3" name="Text Placeholder 2">
+            <a:extLst>
+              <a:ext uri="{FF2B5EF4-FFF2-40B4-BE49-F238E27FC236}">
+                <a16:creationId xmlns:a16="http://schemas.microsoft.com/office/drawing/2014/main" id="{60729BCA-336A-514A-B43D-91598CEC28BB}"/>
+              </a:ext>
+            </a:extLst>
+          </p:cNvPr>
+          <p:cNvSpPr>
+            <a:spLocks noGrp="1"/>
+          </p:cNvSpPr>
+          <p:nvPr>
+            <p:ph type="body" sz="quarter" idx="12"/>
+          </p:nvPr>
+        </p:nvSpPr>
+        <p:spPr/>
+        <p:txBody>
+          <a:bodyPr/>
+          <a:lstStyle/>
+          <a:p>
+            <a:r>
+              <a:rPr lang="en-US" dirty="0"/>
+              <a:t>Create and Apply</a:t>
+            </a:r>
+          </a:p>
+        </p:txBody>
+      </p:sp>
+      <p:sp>
+        <p:nvSpPr>
+          <p:cNvPr id="4" name="Slide Number Placeholder 3">
+            <a:extLst>
+              <a:ext uri="{FF2B5EF4-FFF2-40B4-BE49-F238E27FC236}">
+                <a16:creationId xmlns:a16="http://schemas.microsoft.com/office/drawing/2014/main" id="{7DB49043-0D36-3944-8C61-89B95273C808}"/>
+              </a:ext>
+            </a:extLst>
+          </p:cNvPr>
+          <p:cNvSpPr>
+            <a:spLocks noGrp="1"/>
+          </p:cNvSpPr>
+          <p:nvPr>
+            <p:ph type="sldNum" sz="quarter" idx="10"/>
+          </p:nvPr>
+        </p:nvSpPr>
+        <p:spPr/>
+        <p:txBody>
+          <a:bodyPr/>
+          <a:lstStyle/>
+          <a:p>
+            <a:r>
+              <a:rPr lang="en-US"/>
+              <a:t>Page </a:t>
+            </a:r>
+            <a:fld id="{888928BD-9DD5-4B49-B597-3FD2BD4272DD}" type="slidenum">
+              <a:rPr smtClean="0"/>
+              <a:pPr/>
+              <a:t>29</a:t>
             </a:fld>
             <a:endParaRPr dirty="0"/>
           </a:p>
@@ -16156,7 +17254,7 @@
 </p:sld>
 </file>
 
-<file path=ppt/slides/slide28.xml><?xml version="1.0" encoding="utf-8"?>
+<file path=ppt/slides/slide3.xml><?xml version="1.0" encoding="utf-8"?>
 <p:sld xmlns:a="http://schemas.openxmlformats.org/drawingml/2006/main" xmlns:r="http://schemas.openxmlformats.org/officeDocument/2006/relationships" xmlns:p="http://schemas.openxmlformats.org/presentationml/2006/main">
   <p:cSld>
     <p:spTree>
@@ -16178,6 +17276,97 @@
           <p:cNvPr id="2" name="Title 1">
             <a:extLst>
               <a:ext uri="{FF2B5EF4-FFF2-40B4-BE49-F238E27FC236}">
+                <a16:creationId xmlns:a16="http://schemas.microsoft.com/office/drawing/2014/main" id="{1B9313D0-DAA5-864F-9F2D-9E8BF4E772F8}"/>
+              </a:ext>
+            </a:extLst>
+          </p:cNvPr>
+          <p:cNvSpPr>
+            <a:spLocks noGrp="1"/>
+          </p:cNvSpPr>
+          <p:nvPr>
+            <p:ph type="ctrTitle"/>
+          </p:nvPr>
+        </p:nvSpPr>
+        <p:spPr/>
+        <p:txBody>
+          <a:bodyPr/>
+          <a:lstStyle/>
+          <a:p>
+            <a:r>
+              <a:rPr lang="en-US" sz="4000" dirty="0"/>
+              <a:t>Web API</a:t>
+            </a:r>
+          </a:p>
+        </p:txBody>
+      </p:sp>
+      <p:sp>
+        <p:nvSpPr>
+          <p:cNvPr id="3" name="Subtitle 2">
+            <a:extLst>
+              <a:ext uri="{FF2B5EF4-FFF2-40B4-BE49-F238E27FC236}">
+                <a16:creationId xmlns:a16="http://schemas.microsoft.com/office/drawing/2014/main" id="{95F7FE15-BF66-194E-ACD5-3863B1F45293}"/>
+              </a:ext>
+            </a:extLst>
+          </p:cNvPr>
+          <p:cNvSpPr>
+            <a:spLocks noGrp="1"/>
+          </p:cNvSpPr>
+          <p:nvPr>
+            <p:ph type="subTitle" idx="1"/>
+          </p:nvPr>
+        </p:nvSpPr>
+        <p:spPr>
+          <a:xfrm>
+            <a:off x="420624" y="1014984"/>
+            <a:ext cx="3820450" cy="1243584"/>
+          </a:xfrm>
+        </p:spPr>
+        <p:txBody>
+          <a:bodyPr/>
+          <a:lstStyle/>
+          <a:p>
+            <a:r>
+              <a:rPr lang="en-US" sz="2400" b="0" dirty="0"/>
+              <a:t>Working with Swagger</a:t>
+            </a:r>
+          </a:p>
+        </p:txBody>
+      </p:sp>
+    </p:spTree>
+    <p:extLst>
+      <p:ext uri="{BB962C8B-B14F-4D97-AF65-F5344CB8AC3E}">
+        <p14:creationId xmlns:p14="http://schemas.microsoft.com/office/powerpoint/2010/main" val="1115640857"/>
+      </p:ext>
+    </p:extLst>
+  </p:cSld>
+  <p:clrMapOvr>
+    <a:masterClrMapping/>
+  </p:clrMapOvr>
+</p:sld>
+</file>
+
+<file path=ppt/slides/slide30.xml><?xml version="1.0" encoding="utf-8"?>
+<p:sld xmlns:a="http://schemas.openxmlformats.org/drawingml/2006/main" xmlns:r="http://schemas.openxmlformats.org/officeDocument/2006/relationships" xmlns:p="http://schemas.openxmlformats.org/presentationml/2006/main">
+  <p:cSld>
+    <p:spTree>
+      <p:nvGrpSpPr>
+        <p:cNvPr id="1" name=""/>
+        <p:cNvGrpSpPr/>
+        <p:nvPr/>
+      </p:nvGrpSpPr>
+      <p:grpSpPr>
+        <a:xfrm>
+          <a:off x="0" y="0"/>
+          <a:ext cx="0" cy="0"/>
+          <a:chOff x="0" y="0"/>
+          <a:chExt cx="0" cy="0"/>
+        </a:xfrm>
+      </p:grpSpPr>
+      <p:sp>
+        <p:nvSpPr>
+          <p:cNvPr id="2" name="Title 1">
+            <a:extLst>
+              <a:ext uri="{FF2B5EF4-FFF2-40B4-BE49-F238E27FC236}">
                 <a16:creationId xmlns:a16="http://schemas.microsoft.com/office/drawing/2014/main" id="{BA6C69B8-5719-314E-939A-ECE8F8D96F02}"/>
               </a:ext>
             </a:extLst>
@@ -16257,7 +17446,7 @@
             <a:fld id="{888928BD-9DD5-4B49-B597-3FD2BD4272DD}" type="slidenum">
               <a:rPr smtClean="0"/>
               <a:pPr/>
-              <a:t>28</a:t>
+              <a:t>30</a:t>
             </a:fld>
             <a:endParaRPr dirty="0"/>
           </a:p>
@@ -16563,7 +17752,7 @@
 </p:sld>
 </file>
 
-<file path=ppt/slides/slide29.xml><?xml version="1.0" encoding="utf-8"?>
+<file path=ppt/slides/slide31.xml><?xml version="1.0" encoding="utf-8"?>
 <p:sld xmlns:a="http://schemas.openxmlformats.org/drawingml/2006/main" xmlns:r="http://schemas.openxmlformats.org/officeDocument/2006/relationships" xmlns:p="http://schemas.openxmlformats.org/presentationml/2006/main">
   <p:cSld>
     <p:spTree>
@@ -16664,7 +17853,7 @@
             <a:fld id="{888928BD-9DD5-4B49-B597-3FD2BD4272DD}" type="slidenum">
               <a:rPr smtClean="0"/>
               <a:pPr/>
-              <a:t>29</a:t>
+              <a:t>31</a:t>
             </a:fld>
             <a:endParaRPr dirty="0"/>
           </a:p>
@@ -16724,7 +17913,7 @@
         <p:spPr>
           <a:xfrm>
             <a:off x="411479" y="1602939"/>
-            <a:ext cx="8780022" cy="4152547"/>
+            <a:ext cx="8780022" cy="3783215"/>
           </a:xfrm>
           <a:prstGeom prst="rect">
             <a:avLst/>
@@ -16790,19 +17979,19 @@
               <a:rPr lang="en-GB" sz="1600" i="0" dirty="0">
                 <a:cs typeface="Arial"/>
               </a:rPr>
-              <a:t>Enter “</a:t>
+              <a:t>Select “</a:t>
             </a:r>
             <a:r>
               <a:rPr lang="en-GB" sz="1600" b="1" i="0" dirty="0">
                 <a:cs typeface="Arial"/>
               </a:rPr>
-              <a:t>btnHello</a:t>
+              <a:t>Button</a:t>
             </a:r>
             <a:r>
               <a:rPr lang="en-GB" sz="1600" i="0" dirty="0">
                 <a:cs typeface="Arial"/>
               </a:rPr>
-              <a:t>” for the Name field</a:t>
+              <a:t>” for the Type field</a:t>
             </a:r>
           </a:p>
           <a:p>
@@ -16817,19 +18006,19 @@
               <a:rPr lang="en-GB" sz="1600" i="0" dirty="0">
                 <a:cs typeface="Arial"/>
               </a:rPr>
-              <a:t>Select “</a:t>
+              <a:t>Enter “</a:t>
             </a:r>
             <a:r>
               <a:rPr lang="en-GB" sz="1600" b="1" i="0" dirty="0">
                 <a:cs typeface="Arial"/>
               </a:rPr>
-              <a:t>Button</a:t>
+              <a:t>btnHello</a:t>
             </a:r>
             <a:r>
               <a:rPr lang="en-GB" sz="1600" i="0" dirty="0">
                 <a:cs typeface="Arial"/>
               </a:rPr>
-              <a:t>” for the Type field</a:t>
+              <a:t>” for the Name field</a:t>
             </a:r>
           </a:p>
           <a:p>
@@ -16884,33 +18073,6 @@
                 <a:cs typeface="Arial"/>
               </a:rPr>
               <a:t>” for the ID field</a:t>
-            </a:r>
-          </a:p>
-          <a:p>
-            <a:pPr marL="1000125" lvl="2" indent="-285750">
-              <a:lnSpc>
-                <a:spcPct val="150000"/>
-              </a:lnSpc>
-              <a:buFont typeface="Arial" panose="020B0604020202020204" pitchFamily="34" charset="0"/>
-              <a:buChar char="•"/>
-            </a:pPr>
-            <a:r>
-              <a:rPr lang="en-GB" sz="1600" i="0" dirty="0">
-                <a:cs typeface="Arial"/>
-              </a:rPr>
-              <a:t>Check the “</a:t>
-            </a:r>
-            <a:r>
-              <a:rPr lang="en-GB" sz="1600" b="1" i="0" dirty="0">
-                <a:cs typeface="Arial"/>
-              </a:rPr>
-              <a:t>Before ID?” </a:t>
-            </a:r>
-            <a:r>
-              <a:rPr lang="en-GB" sz="1600" i="0" dirty="0">
-                <a:cs typeface="Arial"/>
-              </a:rPr>
-              <a:t>checkbox	</a:t>
             </a:r>
           </a:p>
           <a:p>
@@ -17066,7 +18228,7 @@
 </p:sld>
 </file>
 
-<file path=ppt/slides/slide3.xml><?xml version="1.0" encoding="utf-8"?>
+<file path=ppt/slides/slide32.xml><?xml version="1.0" encoding="utf-8"?>
 <p:sld xmlns:a="http://schemas.openxmlformats.org/drawingml/2006/main" xmlns:r="http://schemas.openxmlformats.org/officeDocument/2006/relationships" xmlns:p="http://schemas.openxmlformats.org/presentationml/2006/main">
   <p:cSld>
     <p:spTree>
@@ -17088,97 +18250,6 @@
           <p:cNvPr id="2" name="Title 1">
             <a:extLst>
               <a:ext uri="{FF2B5EF4-FFF2-40B4-BE49-F238E27FC236}">
-                <a16:creationId xmlns:a16="http://schemas.microsoft.com/office/drawing/2014/main" id="{1B9313D0-DAA5-864F-9F2D-9E8BF4E772F8}"/>
-              </a:ext>
-            </a:extLst>
-          </p:cNvPr>
-          <p:cNvSpPr>
-            <a:spLocks noGrp="1"/>
-          </p:cNvSpPr>
-          <p:nvPr>
-            <p:ph type="ctrTitle"/>
-          </p:nvPr>
-        </p:nvSpPr>
-        <p:spPr/>
-        <p:txBody>
-          <a:bodyPr/>
-          <a:lstStyle/>
-          <a:p>
-            <a:r>
-              <a:rPr lang="en-US" sz="4000" dirty="0"/>
-              <a:t>Web API</a:t>
-            </a:r>
-          </a:p>
-        </p:txBody>
-      </p:sp>
-      <p:sp>
-        <p:nvSpPr>
-          <p:cNvPr id="3" name="Subtitle 2">
-            <a:extLst>
-              <a:ext uri="{FF2B5EF4-FFF2-40B4-BE49-F238E27FC236}">
-                <a16:creationId xmlns:a16="http://schemas.microsoft.com/office/drawing/2014/main" id="{95F7FE15-BF66-194E-ACD5-3863B1F45293}"/>
-              </a:ext>
-            </a:extLst>
-          </p:cNvPr>
-          <p:cNvSpPr>
-            <a:spLocks noGrp="1"/>
-          </p:cNvSpPr>
-          <p:nvPr>
-            <p:ph type="subTitle" idx="1"/>
-          </p:nvPr>
-        </p:nvSpPr>
-        <p:spPr>
-          <a:xfrm>
-            <a:off x="420624" y="1014984"/>
-            <a:ext cx="3820450" cy="1243584"/>
-          </a:xfrm>
-        </p:spPr>
-        <p:txBody>
-          <a:bodyPr/>
-          <a:lstStyle/>
-          <a:p>
-            <a:r>
-              <a:rPr lang="en-US" sz="2400" b="0" dirty="0"/>
-              <a:t>Working with Swagger</a:t>
-            </a:r>
-          </a:p>
-        </p:txBody>
-      </p:sp>
-    </p:spTree>
-    <p:extLst>
-      <p:ext uri="{BB962C8B-B14F-4D97-AF65-F5344CB8AC3E}">
-        <p14:creationId xmlns:p14="http://schemas.microsoft.com/office/powerpoint/2010/main" val="1115640857"/>
-      </p:ext>
-    </p:extLst>
-  </p:cSld>
-  <p:clrMapOvr>
-    <a:masterClrMapping/>
-  </p:clrMapOvr>
-</p:sld>
-</file>
-
-<file path=ppt/slides/slide30.xml><?xml version="1.0" encoding="utf-8"?>
-<p:sld xmlns:a="http://schemas.openxmlformats.org/drawingml/2006/main" xmlns:r="http://schemas.openxmlformats.org/officeDocument/2006/relationships" xmlns:p="http://schemas.openxmlformats.org/presentationml/2006/main">
-  <p:cSld>
-    <p:spTree>
-      <p:nvGrpSpPr>
-        <p:cNvPr id="1" name=""/>
-        <p:cNvGrpSpPr/>
-        <p:nvPr/>
-      </p:nvGrpSpPr>
-      <p:grpSpPr>
-        <a:xfrm>
-          <a:off x="0" y="0"/>
-          <a:ext cx="0" cy="0"/>
-          <a:chOff x="0" y="0"/>
-          <a:chExt cx="0" cy="0"/>
-        </a:xfrm>
-      </p:grpSpPr>
-      <p:sp>
-        <p:nvSpPr>
-          <p:cNvPr id="2" name="Title 1">
-            <a:extLst>
-              <a:ext uri="{FF2B5EF4-FFF2-40B4-BE49-F238E27FC236}">
                 <a16:creationId xmlns:a16="http://schemas.microsoft.com/office/drawing/2014/main" id="{BA6C69B8-5719-314E-939A-ECE8F8D96F02}"/>
               </a:ext>
             </a:extLst>
@@ -17258,7 +18329,7 @@
             <a:fld id="{888928BD-9DD5-4B49-B597-3FD2BD4272DD}" type="slidenum">
               <a:rPr smtClean="0"/>
               <a:pPr/>
-              <a:t>30</a:t>
+              <a:t>32</a:t>
             </a:fld>
             <a:endParaRPr dirty="0"/>
           </a:p>
@@ -17538,7 +18609,7 @@
 </p:sld>
 </file>
 
-<file path=ppt/slides/slide31.xml><?xml version="1.0" encoding="utf-8"?>
+<file path=ppt/slides/slide33.xml><?xml version="1.0" encoding="utf-8"?>
 <p:sld xmlns:a="http://schemas.openxmlformats.org/drawingml/2006/main" xmlns:r="http://schemas.openxmlformats.org/officeDocument/2006/relationships" xmlns:p="http://schemas.openxmlformats.org/presentationml/2006/main">
   <p:cSld>
     <p:spTree>
@@ -17639,7 +18710,7 @@
             <a:fld id="{888928BD-9DD5-4B49-B597-3FD2BD4272DD}" type="slidenum">
               <a:rPr smtClean="0"/>
               <a:pPr/>
-              <a:t>31</a:t>
+              <a:t>33</a:t>
             </a:fld>
             <a:endParaRPr dirty="0"/>
           </a:p>
@@ -17771,7 +18842,7 @@
               <a:rPr lang="en-GB" sz="1600" i="0" dirty="0">
                 <a:cs typeface="Arial"/>
               </a:rPr>
-              <a:t>” password</a:t>
+              <a:t>” password (ADMIN123)</a:t>
             </a:r>
           </a:p>
         </p:txBody>
@@ -17819,7 +18890,7 @@
 </p:sld>
 </file>
 
-<file path=ppt/slides/slide32.xml><?xml version="1.0" encoding="utf-8"?>
+<file path=ppt/slides/slide34.xml><?xml version="1.0" encoding="utf-8"?>
 <p:sld xmlns:a="http://schemas.openxmlformats.org/drawingml/2006/main" xmlns:r="http://schemas.openxmlformats.org/officeDocument/2006/relationships" xmlns:p="http://schemas.openxmlformats.org/presentationml/2006/main">
   <p:cSld>
     <p:spTree>
@@ -17920,7 +18991,7 @@
             <a:fld id="{888928BD-9DD5-4B49-B597-3FD2BD4272DD}" type="slidenum">
               <a:rPr smtClean="0"/>
               <a:pPr/>
-              <a:t>32</a:t>
+              <a:t>34</a:t>
             </a:fld>
             <a:endParaRPr dirty="0"/>
           </a:p>
@@ -18220,7 +19291,7 @@
 </p:sld>
 </file>
 
-<file path=ppt/slides/slide33.xml><?xml version="1.0" encoding="utf-8"?>
+<file path=ppt/slides/slide35.xml><?xml version="1.0" encoding="utf-8"?>
 <p:sld xmlns:a="http://schemas.openxmlformats.org/drawingml/2006/main" xmlns:r="http://schemas.openxmlformats.org/officeDocument/2006/relationships" xmlns:p="http://schemas.openxmlformats.org/presentationml/2006/main">
   <p:cSld>
     <p:spTree>
@@ -18321,7 +19392,7 @@
             <a:fld id="{888928BD-9DD5-4B49-B597-3FD2BD4272DD}" type="slidenum">
               <a:rPr smtClean="0"/>
               <a:pPr/>
-              <a:t>33</a:t>
+              <a:t>35</a:t>
             </a:fld>
             <a:endParaRPr dirty="0"/>
           </a:p>
@@ -18409,7 +19480,7 @@
 </p:sld>
 </file>
 
-<file path=ppt/slides/slide34.xml><?xml version="1.0" encoding="utf-8"?>
+<file path=ppt/slides/slide36.xml><?xml version="1.0" encoding="utf-8"?>
 <p:sld xmlns:a="http://schemas.openxmlformats.org/drawingml/2006/main" xmlns:r="http://schemas.openxmlformats.org/officeDocument/2006/relationships" xmlns:p="http://schemas.openxmlformats.org/presentationml/2006/main">
   <p:cSld>
     <p:spTree>
@@ -18799,7 +19870,7 @@
               <a:rPr lang="en-GB" sz="1800" i="0" dirty="0">
                 <a:cs typeface="Arial"/>
               </a:rPr>
-              <a:t>” for Username and click “</a:t>
+              <a:t>” for Username, specify password (if required), and click “</a:t>
             </a:r>
             <a:r>
               <a:rPr lang="en-GB" sz="1800" b="1" i="0" dirty="0">
@@ -19960,7 +21031,7 @@
         <p:spPr>
           <a:xfrm>
             <a:off x="411479" y="1806646"/>
-            <a:ext cx="5866080" cy="3737049"/>
+            <a:ext cx="5866080" cy="4106381"/>
           </a:xfrm>
           <a:prstGeom prst="rect">
             <a:avLst/>
@@ -20079,6 +21150,24 @@
               </a:rPr>
               <a:t>Success or did you get lots of compiler errors?</a:t>
             </a:r>
+          </a:p>
+          <a:p>
+            <a:pPr marL="646113" lvl="1" indent="-285750">
+              <a:lnSpc>
+                <a:spcPct val="150000"/>
+              </a:lnSpc>
+              <a:buFont typeface="Arial" panose="020B0604020202020204" pitchFamily="34" charset="0"/>
+              <a:buChar char="•"/>
+            </a:pPr>
+            <a:r>
+              <a:rPr lang="en-GB" sz="1600" dirty="0">
+                <a:cs typeface="Arial"/>
+              </a:rPr>
+              <a:t>Let’s look at a *.csproj file to see environment var usage</a:t>
+            </a:r>
+            <a:endParaRPr lang="en-GB" sz="1600" i="0" dirty="0">
+              <a:cs typeface="Arial"/>
+            </a:endParaRPr>
           </a:p>
         </p:txBody>
       </p:sp>

--- a/docs/presentations/Sage300TechnicalSessionHandsOn.pptx
+++ b/docs/presentations/Sage300TechnicalSessionHandsOn.pptx
@@ -265,7 +265,7 @@
           <a:p>
             <a:fld id="{EC0ECC91-7099-9546-9775-79C77D0DA930}" type="datetimeFigureOut">
               <a:rPr lang="en-US" smtClean="0"/>
-              <a:t>5/30/2023</a:t>
+              <a:t>2/12/2024</a:t>
             </a:fld>
             <a:endParaRPr lang="en-US"/>
           </a:p>
@@ -5691,8 +5691,8 @@
         </p:nvSpPr>
         <p:spPr>
           <a:xfrm>
-            <a:off x="4495384" y="6431000"/>
-            <a:ext cx="3201234" cy="230832"/>
+            <a:off x="4495384" y="6292541"/>
+            <a:ext cx="3201234" cy="369291"/>
           </a:xfrm>
           <a:prstGeom prst="rect">
             <a:avLst/>
@@ -5718,7 +5718,7 @@
               <a:buNone/>
             </a:pPr>
             <a:r>
-              <a:rPr lang="en-US" sz="900">
+              <a:rPr lang="en-US" sz="900" dirty="0">
                 <a:solidFill>
                   <a:schemeClr val="dk1"/>
                 </a:solidFill>
@@ -5727,9 +5727,9 @@
                 <a:cs typeface="Arial"/>
                 <a:sym typeface="Arial"/>
               </a:rPr>
-              <a:t>© 2023 The Sage Group plc, or its licensors. All rights reserved.</a:t>
-            </a:r>
-            <a:endParaRPr/>
+              <a:t>© 2024 The Sage Group plc, or its licensors. All rights reserved.</a:t>
+            </a:r>
+            <a:endParaRPr dirty="0"/>
           </a:p>
         </p:txBody>
       </p:sp>
@@ -6449,8 +6449,8 @@
         </p:nvSpPr>
         <p:spPr>
           <a:xfrm>
-            <a:off x="4495384" y="6431000"/>
-            <a:ext cx="3201234" cy="230832"/>
+            <a:off x="4495384" y="6292541"/>
+            <a:ext cx="3201234" cy="369291"/>
           </a:xfrm>
           <a:prstGeom prst="rect">
             <a:avLst/>
@@ -6476,7 +6476,7 @@
               <a:buNone/>
             </a:pPr>
             <a:r>
-              <a:rPr lang="en-US" sz="900">
+              <a:rPr lang="en-US" sz="900" dirty="0">
                 <a:solidFill>
                   <a:srgbClr val="00D638"/>
                 </a:solidFill>
@@ -6485,9 +6485,9 @@
                 <a:cs typeface="Arial"/>
                 <a:sym typeface="Arial"/>
               </a:rPr>
-              <a:t>© 2023 The Sage Group plc, or its licensors. All rights reserved.</a:t>
-            </a:r>
-            <a:endParaRPr/>
+              <a:t>© 2024 The Sage Group plc, or its licensors. All rights reserved.</a:t>
+            </a:r>
+            <a:endParaRPr dirty="0"/>
           </a:p>
         </p:txBody>
       </p:sp>
@@ -7241,8 +7241,8 @@
         </p:nvSpPr>
         <p:spPr>
           <a:xfrm>
-            <a:off x="4495384" y="6431000"/>
-            <a:ext cx="3201234" cy="230832"/>
+            <a:off x="4495384" y="6292541"/>
+            <a:ext cx="3201234" cy="369291"/>
           </a:xfrm>
           <a:prstGeom prst="rect">
             <a:avLst/>
@@ -7268,7 +7268,7 @@
               <a:buNone/>
             </a:pPr>
             <a:r>
-              <a:rPr lang="en-US" sz="900">
+              <a:rPr lang="en-US" sz="900" dirty="0">
                 <a:solidFill>
                   <a:schemeClr val="dk1"/>
                 </a:solidFill>
@@ -7277,9 +7277,9 @@
                 <a:cs typeface="Arial"/>
                 <a:sym typeface="Arial"/>
               </a:rPr>
-              <a:t>© 2023 The Sage Group plc, or its licensors. All rights reserved.</a:t>
-            </a:r>
-            <a:endParaRPr/>
+              <a:t>© 2024 The Sage Group plc, or its licensors. All rights reserved.</a:t>
+            </a:r>
+            <a:endParaRPr dirty="0"/>
           </a:p>
         </p:txBody>
       </p:sp>
@@ -8104,7 +8104,7 @@
               <a:defRPr/>
             </a:pPr>
             <a:r>
-              <a:rPr kumimoji="0" lang="en-US" sz="700" b="0" i="0" u="none" strike="noStrike" kern="1200" cap="none" spc="0" normalizeH="0" baseline="0" noProof="0">
+              <a:rPr kumimoji="0" lang="en-US" sz="700" b="0" i="0" u="none" strike="noStrike" kern="1200" cap="none" spc="0" normalizeH="0" baseline="0" noProof="0" dirty="0">
                 <a:ln>
                   <a:noFill/>
                 </a:ln>
@@ -8119,9 +8119,9 @@
                 <a:cs typeface="Arial"/>
                 <a:sym typeface="Arial"/>
               </a:rPr>
-              <a:t>© 2023 The Sage Group plc or its licensors. All rights reserved. Sage, Sage logos, and Sage product and service names mentioned herein are the trademarks of Sage Global Services Limited or its licensors. All other trademarks are the property of their respective owners.</a:t>
-            </a:r>
-            <a:endParaRPr kumimoji="0" sz="1800" b="0" i="0" u="none" strike="noStrike" kern="1200" cap="none" spc="0" normalizeH="0" baseline="0" noProof="0">
+              <a:t>© 2024 The Sage Group plc or its licensors. All rights reserved. Sage, Sage logos, and Sage product and service names mentioned herein are the trademarks of Sage Global Services Limited or its licensors. All other trademarks are the property of their respective owners.</a:t>
+            </a:r>
+            <a:endParaRPr kumimoji="0" sz="1800" b="0" i="0" u="none" strike="noStrike" kern="1200" cap="none" spc="0" normalizeH="0" baseline="0" noProof="0" dirty="0">
               <a:ln>
                 <a:noFill/>
               </a:ln>
@@ -9397,7 +9397,7 @@
                 <a:cs typeface="Sage Text" panose="02010503040201060103" pitchFamily="50" charset="0"/>
                 <a:sym typeface="Sage Text" panose="02010503040201060103" pitchFamily="50" charset="0"/>
               </a:rPr>
-              <a:t>© 2023 The Sage Group plc, or its licensors. All rights reserved.</a:t>
+              <a:t>© 2024 The Sage Group plc, or its licensors. All rights reserved.</a:t>
             </a:r>
           </a:p>
         </p:txBody>
@@ -9720,7 +9720,7 @@
                 <a:cs typeface="Sage Text" panose="02010503040201060103" pitchFamily="50" charset="0"/>
                 <a:sym typeface="Sage Text" panose="02010503040201060103" pitchFamily="50" charset="0"/>
               </a:rPr>
-              <a:t>© 2023 The Sage Group plc, or its licensors. All rights reserved.</a:t>
+              <a:t>© 2024 The Sage Group plc, or its licensors. All rights reserved.</a:t>
             </a:r>
           </a:p>
         </p:txBody>
@@ -10146,7 +10146,7 @@
                 </a:solidFill>
                 <a:latin typeface="Sage Text" panose="02010503040201060103" pitchFamily="2" charset="77"/>
               </a:rPr>
-              <a:t>© 2023 The Sage Group plc or its licensors. All rights reserved. Sage, Sage logos, and Sage product and service names mentioned herein are the trademarks of Sage Global Services Limited or its licensors. All other trademarks are the property of their respective owners.</a:t>
+              <a:t>© 2024 The Sage Group plc or its licensors. All rights reserved. Sage, Sage logos, and Sage product and service names mentioned herein are the trademarks of Sage Global Services Limited or its licensors. All other trademarks are the property of their respective owners.</a:t>
             </a:r>
           </a:p>
         </p:txBody>
@@ -10752,7 +10752,7 @@
                 <a:cs typeface="Sage Text" panose="02010503040201060103" pitchFamily="50" charset="0"/>
                 <a:sym typeface="Sage Text" panose="02010503040201060103" pitchFamily="50" charset="0"/>
               </a:rPr>
-              <a:t>© 2023 The Sage Group plc, or its licensors. All rights reserved.</a:t>
+              <a:t>© 2024 The Sage Group plc, or its licensors. All rights reserved.</a:t>
             </a:r>
           </a:p>
         </p:txBody>
@@ -11887,8 +11887,8 @@
         </p:nvSpPr>
         <p:spPr>
           <a:xfrm>
-            <a:off x="4495384" y="6292500"/>
-            <a:ext cx="3201234" cy="369332"/>
+            <a:off x="4495384" y="6154041"/>
+            <a:ext cx="3201234" cy="507791"/>
           </a:xfrm>
           <a:prstGeom prst="rect">
             <a:avLst/>
@@ -11913,7 +11913,7 @@
               </a:spcAft>
               <a:buNone/>
             </a:pPr>
-            <a:endParaRPr sz="900" b="0" i="0" u="none" strike="noStrike" cap="none">
+            <a:endParaRPr sz="900" b="0" i="0" u="none" strike="noStrike" cap="none" dirty="0">
               <a:solidFill>
                 <a:srgbClr val="00D638"/>
               </a:solidFill>
@@ -11934,7 +11934,7 @@
               <a:buNone/>
             </a:pPr>
             <a:r>
-              <a:rPr lang="en-US" sz="900" b="0" i="0" u="none" strike="noStrike" cap="none">
+              <a:rPr lang="en-US" sz="900" b="0" i="0" u="none" strike="noStrike" cap="none" dirty="0">
                 <a:solidFill>
                   <a:srgbClr val="00D638"/>
                 </a:solidFill>
@@ -11943,9 +11943,9 @@
                 <a:cs typeface="Arial"/>
                 <a:sym typeface="Arial"/>
               </a:rPr>
-              <a:t>© 2023 The Sage Group plc, or its licensors. All rights reserved.</a:t>
-            </a:r>
-            <a:endParaRPr/>
+              <a:t>© 2024 The Sage Group plc, or its licensors. All rights reserved.</a:t>
+            </a:r>
+            <a:endParaRPr dirty="0"/>
           </a:p>
         </p:txBody>
       </p:sp>
@@ -12822,7 +12822,7 @@
           <a:p>
             <a:r>
               <a:rPr lang="en-US" dirty="0"/>
-              <a:t>June 2023</a:t>
+              <a:t>February 2024</a:t>
             </a:r>
           </a:p>
         </p:txBody>
@@ -12849,6 +12849,13 @@
             <a:ext cx="7720215" cy="6858008"/>
           </a:xfrm>
         </p:spPr>
+        <p:txBody>
+          <a:bodyPr/>
+          <a:lstStyle/>
+          <a:p>
+            <a:endParaRPr lang="en-US"/>
+          </a:p>
+        </p:txBody>
       </p:sp>
       <p:pic>
         <p:nvPicPr>
@@ -16884,10 +16891,10 @@
       </p:sp>
       <p:pic>
         <p:nvPicPr>
-          <p:cNvPr id="8" name="Picture 7">
+          <p:cNvPr id="11" name="Picture 10">
             <a:extLst>
               <a:ext uri="{FF2B5EF4-FFF2-40B4-BE49-F238E27FC236}">
-                <a16:creationId xmlns:a16="http://schemas.microsoft.com/office/drawing/2014/main" id="{89C07ADB-24EA-D95C-A5C9-C1A6C423CDC9}"/>
+                <a16:creationId xmlns:a16="http://schemas.microsoft.com/office/drawing/2014/main" id="{E493C318-C0A5-8731-7DB2-3E4A0B022AB3}"/>
               </a:ext>
             </a:extLst>
           </p:cNvPr>
@@ -16904,8 +16911,8 @@
         </p:blipFill>
         <p:spPr>
           <a:xfrm>
-            <a:off x="7592538" y="962038"/>
-            <a:ext cx="2515765" cy="2778984"/>
+            <a:off x="5906825" y="3954245"/>
+            <a:ext cx="5887192" cy="2196375"/>
           </a:xfrm>
           <a:prstGeom prst="rect">
             <a:avLst/>
@@ -16914,10 +16921,10 @@
       </p:pic>
       <p:pic>
         <p:nvPicPr>
-          <p:cNvPr id="11" name="Picture 10">
+          <p:cNvPr id="6" name="Picture 5">
             <a:extLst>
               <a:ext uri="{FF2B5EF4-FFF2-40B4-BE49-F238E27FC236}">
-                <a16:creationId xmlns:a16="http://schemas.microsoft.com/office/drawing/2014/main" id="{E493C318-C0A5-8731-7DB2-3E4A0B022AB3}"/>
+                <a16:creationId xmlns:a16="http://schemas.microsoft.com/office/drawing/2014/main" id="{1B1479CD-38CA-06C5-7A6D-4983E0C421E4}"/>
               </a:ext>
             </a:extLst>
           </p:cNvPr>
@@ -16934,8 +16941,8 @@
         </p:blipFill>
         <p:spPr>
           <a:xfrm>
-            <a:off x="5906825" y="3954245"/>
-            <a:ext cx="5887192" cy="2196375"/>
+            <a:off x="6470834" y="400640"/>
+            <a:ext cx="4518230" cy="3212883"/>
           </a:xfrm>
           <a:prstGeom prst="rect">
             <a:avLst/>
@@ -19697,10 +19704,10 @@
       </p:sp>
       <p:pic>
         <p:nvPicPr>
-          <p:cNvPr id="7" name="Picture 6">
+          <p:cNvPr id="8" name="Picture 7">
             <a:extLst>
               <a:ext uri="{FF2B5EF4-FFF2-40B4-BE49-F238E27FC236}">
-                <a16:creationId xmlns:a16="http://schemas.microsoft.com/office/drawing/2014/main" id="{121745A5-7EAF-9003-1AAA-411C4169F70F}"/>
+                <a16:creationId xmlns:a16="http://schemas.microsoft.com/office/drawing/2014/main" id="{B2EAE91A-3D08-DCCE-14CC-00B64C233E85}"/>
               </a:ext>
             </a:extLst>
           </p:cNvPr>
@@ -19717,8 +19724,8 @@
         </p:blipFill>
         <p:spPr>
           <a:xfrm>
-            <a:off x="669223" y="2301973"/>
-            <a:ext cx="2515765" cy="2778984"/>
+            <a:off x="5632118" y="1820426"/>
+            <a:ext cx="5546558" cy="3742078"/>
           </a:xfrm>
           <a:prstGeom prst="rect">
             <a:avLst/>
@@ -19727,10 +19734,10 @@
       </p:pic>
       <p:pic>
         <p:nvPicPr>
-          <p:cNvPr id="8" name="Picture 7">
+          <p:cNvPr id="5" name="Picture 4">
             <a:extLst>
               <a:ext uri="{FF2B5EF4-FFF2-40B4-BE49-F238E27FC236}">
-                <a16:creationId xmlns:a16="http://schemas.microsoft.com/office/drawing/2014/main" id="{B2EAE91A-3D08-DCCE-14CC-00B64C233E85}"/>
+                <a16:creationId xmlns:a16="http://schemas.microsoft.com/office/drawing/2014/main" id="{2E30D95D-29C6-902C-2F96-96783EB4382E}"/>
               </a:ext>
             </a:extLst>
           </p:cNvPr>
@@ -19747,8 +19754,8 @@
         </p:blipFill>
         <p:spPr>
           <a:xfrm>
-            <a:off x="4623589" y="1820426"/>
-            <a:ext cx="5546558" cy="3742078"/>
+            <a:off x="322073" y="2085023"/>
+            <a:ext cx="4518230" cy="3212883"/>
           </a:xfrm>
           <a:prstGeom prst="rect">
             <a:avLst/>
@@ -22604,15 +22611,11 @@
           <a:p>
             <a:pPr lvl="1"/>
             <a:r>
-              <a:rPr lang="en-US">
+              <a:rPr lang="en-US" dirty="0">
                 <a:hlinkClick r:id="rId3"/>
               </a:rPr>
-              <a:t>https://www.dropbox.com/s/lqivcuec9w4xhg9/Snippets.txt?dl=0</a:t>
-            </a:r>
-            <a:endParaRPr lang="en-US"/>
-          </a:p>
-          <a:p>
-            <a:pPr lvl="1"/>
+              <a:t>https://www.dropbox.com/scl/fi/icn6pzz5qp6oinih5twg5/Snippets.txt?rlkey=6c949eamwexc92530ftmspsio&amp;dl=0</a:t>
+            </a:r>
             <a:endParaRPr lang="en-US" dirty="0"/>
           </a:p>
         </p:txBody>
